--- a/data8/slides/lab6.pptx
+++ b/data8/slides/lab6.pptx
@@ -9,21 +9,29 @@
     <p:sldMasterId id="2147483699" r:id="rId5"/>
   </p:sldMasterIdLst>
   <p:notesMasterIdLst>
-    <p:notesMasterId r:id="rId15"/>
+    <p:notesMasterId r:id="rId23"/>
   </p:notesMasterIdLst>
   <p:handoutMasterIdLst>
-    <p:handoutMasterId r:id="rId16"/>
+    <p:handoutMasterId r:id="rId24"/>
   </p:handoutMasterIdLst>
   <p:sldIdLst>
     <p:sldId id="256" r:id="rId6"/>
     <p:sldId id="289" r:id="rId7"/>
     <p:sldId id="287" r:id="rId8"/>
-    <p:sldId id="295" r:id="rId9"/>
-    <p:sldId id="296" r:id="rId10"/>
-    <p:sldId id="297" r:id="rId11"/>
-    <p:sldId id="298" r:id="rId12"/>
-    <p:sldId id="267" r:id="rId13"/>
-    <p:sldId id="266" r:id="rId14"/>
+    <p:sldId id="291" r:id="rId9"/>
+    <p:sldId id="294" r:id="rId10"/>
+    <p:sldId id="293" r:id="rId11"/>
+    <p:sldId id="302" r:id="rId12"/>
+    <p:sldId id="303" r:id="rId13"/>
+    <p:sldId id="290" r:id="rId14"/>
+    <p:sldId id="297" r:id="rId15"/>
+    <p:sldId id="299" r:id="rId16"/>
+    <p:sldId id="298" r:id="rId17"/>
+    <p:sldId id="304" r:id="rId18"/>
+    <p:sldId id="305" r:id="rId19"/>
+    <p:sldId id="300" r:id="rId20"/>
+    <p:sldId id="267" r:id="rId21"/>
+    <p:sldId id="266" r:id="rId22"/>
   </p:sldIdLst>
   <p:sldSz cx="9144000" cy="6858000" type="screen4x3"/>
   <p:notesSz cx="6858000" cy="9144000"/>
@@ -640,6 +648,192 @@
     </a:lvl9pPr>
   </p:notesStyle>
 </p:notesMaster>
+</file>
+
+<file path=ppt/notesSlides/notesSlide1.xml><?xml version="1.0" encoding="utf-8"?>
+<p:notes xmlns:a="http://schemas.openxmlformats.org/drawingml/2006/main" xmlns:r="http://schemas.openxmlformats.org/officeDocument/2006/relationships" xmlns:p="http://schemas.openxmlformats.org/presentationml/2006/main">
+  <p:cSld>
+    <p:spTree>
+      <p:nvGrpSpPr>
+        <p:cNvPr id="1" name=""/>
+        <p:cNvGrpSpPr/>
+        <p:nvPr/>
+      </p:nvGrpSpPr>
+      <p:grpSpPr>
+        <a:xfrm>
+          <a:off x="0" y="0"/>
+          <a:ext cx="0" cy="0"/>
+          <a:chOff x="0" y="0"/>
+          <a:chExt cx="0" cy="0"/>
+        </a:xfrm>
+      </p:grpSpPr>
+      <p:sp>
+        <p:nvSpPr>
+          <p:cNvPr id="2" name="Slide Image Placeholder 1"/>
+          <p:cNvSpPr>
+            <a:spLocks noGrp="1" noRot="1" noChangeAspect="1"/>
+          </p:cNvSpPr>
+          <p:nvPr>
+            <p:ph type="sldImg"/>
+          </p:nvPr>
+        </p:nvSpPr>
+        <p:spPr/>
+      </p:sp>
+      <p:sp>
+        <p:nvSpPr>
+          <p:cNvPr id="3" name="Notes Placeholder 2"/>
+          <p:cNvSpPr>
+            <a:spLocks noGrp="1"/>
+          </p:cNvSpPr>
+          <p:nvPr>
+            <p:ph type="body" idx="1"/>
+          </p:nvPr>
+        </p:nvSpPr>
+        <p:spPr/>
+        <p:txBody>
+          <a:bodyPr/>
+          <a:lstStyle/>
+          <a:p>
+            <a:pPr rtl="0" fontAlgn="base"/>
+            <a:endParaRPr lang="en-CA" sz="1200" b="1" i="0" u="none" strike="noStrike" kern="1200" dirty="0" smtClean="0">
+              <a:solidFill>
+                <a:schemeClr val="tx1"/>
+              </a:solidFill>
+              <a:effectLst/>
+              <a:latin typeface="+mn-lt"/>
+              <a:ea typeface="+mn-ea"/>
+              <a:cs typeface="+mn-cs"/>
+            </a:endParaRPr>
+          </a:p>
+        </p:txBody>
+      </p:sp>
+      <p:sp>
+        <p:nvSpPr>
+          <p:cNvPr id="4" name="Slide Number Placeholder 3"/>
+          <p:cNvSpPr>
+            <a:spLocks noGrp="1"/>
+          </p:cNvSpPr>
+          <p:nvPr>
+            <p:ph type="sldNum" sz="quarter" idx="10"/>
+          </p:nvPr>
+        </p:nvSpPr>
+        <p:spPr/>
+        <p:txBody>
+          <a:bodyPr/>
+          <a:lstStyle/>
+          <a:p>
+            <a:fld id="{84B7DBC5-2A13-CA47-B9EE-6017A92B6B18}" type="slidenum">
+              <a:rPr lang="en-US" smtClean="0"/>
+              <a:t>13</a:t>
+            </a:fld>
+            <a:endParaRPr lang="en-US"/>
+          </a:p>
+        </p:txBody>
+      </p:sp>
+    </p:spTree>
+    <p:extLst>
+      <p:ext uri="{BB962C8B-B14F-4D97-AF65-F5344CB8AC3E}">
+        <p14:creationId xmlns:p14="http://schemas.microsoft.com/office/powerpoint/2010/main" val="2823370740"/>
+      </p:ext>
+    </p:extLst>
+  </p:cSld>
+  <p:clrMapOvr>
+    <a:masterClrMapping/>
+  </p:clrMapOvr>
+</p:notes>
+</file>
+
+<file path=ppt/notesSlides/notesSlide2.xml><?xml version="1.0" encoding="utf-8"?>
+<p:notes xmlns:a="http://schemas.openxmlformats.org/drawingml/2006/main" xmlns:r="http://schemas.openxmlformats.org/officeDocument/2006/relationships" xmlns:p="http://schemas.openxmlformats.org/presentationml/2006/main">
+  <p:cSld>
+    <p:spTree>
+      <p:nvGrpSpPr>
+        <p:cNvPr id="1" name=""/>
+        <p:cNvGrpSpPr/>
+        <p:nvPr/>
+      </p:nvGrpSpPr>
+      <p:grpSpPr>
+        <a:xfrm>
+          <a:off x="0" y="0"/>
+          <a:ext cx="0" cy="0"/>
+          <a:chOff x="0" y="0"/>
+          <a:chExt cx="0" cy="0"/>
+        </a:xfrm>
+      </p:grpSpPr>
+      <p:sp>
+        <p:nvSpPr>
+          <p:cNvPr id="2" name="Slide Image Placeholder 1"/>
+          <p:cNvSpPr>
+            <a:spLocks noGrp="1" noRot="1" noChangeAspect="1"/>
+          </p:cNvSpPr>
+          <p:nvPr>
+            <p:ph type="sldImg"/>
+          </p:nvPr>
+        </p:nvSpPr>
+        <p:spPr/>
+      </p:sp>
+      <p:sp>
+        <p:nvSpPr>
+          <p:cNvPr id="3" name="Notes Placeholder 2"/>
+          <p:cNvSpPr>
+            <a:spLocks noGrp="1"/>
+          </p:cNvSpPr>
+          <p:nvPr>
+            <p:ph type="body" idx="1"/>
+          </p:nvPr>
+        </p:nvSpPr>
+        <p:spPr/>
+        <p:txBody>
+          <a:bodyPr/>
+          <a:lstStyle/>
+          <a:p>
+            <a:pPr rtl="0" fontAlgn="base"/>
+            <a:endParaRPr lang="en-CA" sz="1200" b="1" i="0" u="none" strike="noStrike" kern="1200" dirty="0" smtClean="0">
+              <a:solidFill>
+                <a:schemeClr val="tx1"/>
+              </a:solidFill>
+              <a:effectLst/>
+              <a:latin typeface="+mn-lt"/>
+              <a:ea typeface="+mn-ea"/>
+              <a:cs typeface="+mn-cs"/>
+            </a:endParaRPr>
+          </a:p>
+        </p:txBody>
+      </p:sp>
+      <p:sp>
+        <p:nvSpPr>
+          <p:cNvPr id="4" name="Slide Number Placeholder 3"/>
+          <p:cNvSpPr>
+            <a:spLocks noGrp="1"/>
+          </p:cNvSpPr>
+          <p:nvPr>
+            <p:ph type="sldNum" sz="quarter" idx="10"/>
+          </p:nvPr>
+        </p:nvSpPr>
+        <p:spPr/>
+        <p:txBody>
+          <a:bodyPr/>
+          <a:lstStyle/>
+          <a:p>
+            <a:fld id="{84B7DBC5-2A13-CA47-B9EE-6017A92B6B18}" type="slidenum">
+              <a:rPr lang="en-US" smtClean="0"/>
+              <a:t>14</a:t>
+            </a:fld>
+            <a:endParaRPr lang="en-US"/>
+          </a:p>
+        </p:txBody>
+      </p:sp>
+    </p:spTree>
+    <p:extLst>
+      <p:ext uri="{BB962C8B-B14F-4D97-AF65-F5344CB8AC3E}">
+        <p14:creationId xmlns:p14="http://schemas.microsoft.com/office/powerpoint/2010/main" val="2823370740"/>
+      </p:ext>
+    </p:extLst>
+  </p:cSld>
+  <p:clrMapOvr>
+    <a:masterClrMapping/>
+  </p:clrMapOvr>
+</p:notes>
 </file>
 
 <file path=ppt/slideLayouts/slideLayout1.xml><?xml version="1.0" encoding="utf-8"?>
@@ -7657,16 +7851,16 @@
                 </a:solidFill>
                 <a:latin typeface="Avenir LT Std 45 Book" pitchFamily="34" charset="0"/>
               </a:rPr>
-              <a:t>Data 8, Lab </a:t>
-            </a:r>
-            <a:r>
-              <a:rPr lang="en-US" dirty="0" smtClean="0">
+              <a:t>Data 8, </a:t>
+            </a:r>
+            <a:r>
+              <a:rPr lang="en-US" smtClean="0">
                 <a:solidFill>
                   <a:srgbClr val="C28220"/>
                 </a:solidFill>
                 <a:latin typeface="Avenir LT Std 45 Book" pitchFamily="34" charset="0"/>
               </a:rPr>
-              <a:t>6</a:t>
+              <a:t>Lab 6</a:t>
             </a:r>
             <a:endParaRPr lang="en-US" dirty="0">
               <a:solidFill>
@@ -7700,10 +7894,10 @@
           <a:lstStyle/>
           <a:p>
             <a:r>
-              <a:rPr lang="en-US" b="1" dirty="0" smtClean="0">
+              <a:rPr lang="en-US" b="1" smtClean="0">
                 <a:latin typeface="Avenir LT Std 45 Book" pitchFamily="34" charset="0"/>
               </a:rPr>
-              <a:t>Probability and Sampling</a:t>
+              <a:t>Testing Hypotheses</a:t>
             </a:r>
             <a:endParaRPr lang="en-US" b="1" dirty="0" smtClean="0">
               <a:latin typeface="Avenir LT Std 45 Book" pitchFamily="34" charset="0"/>
@@ -7740,7 +7934,7 @@
               <a:rPr lang="en-US" dirty="0" smtClean="0">
                 <a:latin typeface="Avenir LT Std 45 Book" pitchFamily="34" charset="0"/>
               </a:rPr>
-              <a:t>4 October 2019</a:t>
+              <a:t>11 October 2019</a:t>
             </a:r>
             <a:endParaRPr lang="en-US" dirty="0">
               <a:latin typeface="Avenir LT Std 45 Book" pitchFamily="34" charset="0"/>
@@ -7752,6 +7946,1244 @@
     <p:extLst>
       <p:ext uri="{BB962C8B-B14F-4D97-AF65-F5344CB8AC3E}">
         <p14:creationId xmlns:p14="http://schemas.microsoft.com/office/powerpoint/2010/main" val="1276399452"/>
+      </p:ext>
+    </p:extLst>
+  </p:cSld>
+  <p:clrMapOvr>
+    <a:masterClrMapping/>
+  </p:clrMapOvr>
+  <p:timing>
+    <p:tnLst>
+      <p:par>
+        <p:cTn id="1" dur="indefinite" restart="never" nodeType="tmRoot"/>
+      </p:par>
+    </p:tnLst>
+  </p:timing>
+</p:sld>
+</file>
+
+<file path=ppt/slides/slide10.xml><?xml version="1.0" encoding="utf-8"?>
+<p:sld xmlns:a="http://schemas.openxmlformats.org/drawingml/2006/main" xmlns:r="http://schemas.openxmlformats.org/officeDocument/2006/relationships" xmlns:p="http://schemas.openxmlformats.org/presentationml/2006/main">
+  <p:cSld>
+    <p:spTree>
+      <p:nvGrpSpPr>
+        <p:cNvPr id="1" name=""/>
+        <p:cNvGrpSpPr/>
+        <p:nvPr/>
+      </p:nvGrpSpPr>
+      <p:grpSpPr>
+        <a:xfrm>
+          <a:off x="0" y="0"/>
+          <a:ext cx="0" cy="0"/>
+          <a:chOff x="0" y="0"/>
+          <a:chExt cx="0" cy="0"/>
+        </a:xfrm>
+      </p:grpSpPr>
+      <p:sp>
+        <p:nvSpPr>
+          <p:cNvPr id="2" name="Title 1"/>
+          <p:cNvSpPr>
+            <a:spLocks noGrp="1"/>
+          </p:cNvSpPr>
+          <p:nvPr>
+            <p:ph type="title"/>
+          </p:nvPr>
+        </p:nvSpPr>
+        <p:spPr>
+          <a:xfrm>
+            <a:off x="457200" y="449932"/>
+            <a:ext cx="8286750" cy="1150353"/>
+          </a:xfrm>
+        </p:spPr>
+        <p:txBody>
+          <a:bodyPr/>
+          <a:lstStyle/>
+          <a:p>
+            <a:r>
+              <a:rPr lang="en-CA" dirty="0" smtClean="0">
+                <a:latin typeface="+mn-lt"/>
+              </a:rPr>
+              <a:t>P-Value</a:t>
+            </a:r>
+            <a:endParaRPr lang="en-CA" dirty="0">
+              <a:latin typeface="+mn-lt"/>
+            </a:endParaRPr>
+          </a:p>
+        </p:txBody>
+      </p:sp>
+      <p:sp>
+        <p:nvSpPr>
+          <p:cNvPr id="3" name="Content Placeholder 2"/>
+          <p:cNvSpPr>
+            <a:spLocks noGrp="1"/>
+          </p:cNvSpPr>
+          <p:nvPr>
+            <p:ph idx="1"/>
+          </p:nvPr>
+        </p:nvSpPr>
+        <p:spPr>
+          <a:xfrm>
+            <a:off x="457200" y="1756947"/>
+            <a:ext cx="8286750" cy="3596103"/>
+          </a:xfrm>
+        </p:spPr>
+        <p:txBody>
+          <a:bodyPr/>
+          <a:lstStyle/>
+          <a:p>
+            <a:r>
+              <a:rPr lang="en-CA" dirty="0">
+                <a:latin typeface="+mn-lt"/>
+              </a:rPr>
+              <a:t>The P-value is the chance, </a:t>
+            </a:r>
+          </a:p>
+          <a:p>
+            <a:pPr lvl="1"/>
+            <a:r>
+              <a:rPr lang="en-CA" dirty="0">
+                <a:latin typeface="+mn-lt"/>
+              </a:rPr>
+              <a:t>under the null hypothesis, </a:t>
+            </a:r>
+          </a:p>
+          <a:p>
+            <a:pPr lvl="1"/>
+            <a:r>
+              <a:rPr lang="en-CA" dirty="0">
+                <a:latin typeface="+mn-lt"/>
+              </a:rPr>
+              <a:t>that the test statistic </a:t>
+            </a:r>
+            <a:r>
+              <a:rPr lang="en-CA" dirty="0" smtClean="0">
+                <a:latin typeface="+mn-lt"/>
+              </a:rPr>
+              <a:t>is </a:t>
+            </a:r>
+            <a:r>
+              <a:rPr lang="en-CA" dirty="0">
+                <a:latin typeface="+mn-lt"/>
+              </a:rPr>
+              <a:t>equal to the value that was observed in the data</a:t>
+            </a:r>
+          </a:p>
+          <a:p>
+            <a:pPr lvl="1"/>
+            <a:r>
+              <a:rPr lang="en-CA" dirty="0">
+                <a:latin typeface="+mn-lt"/>
+              </a:rPr>
+              <a:t>or is even further in the direction of the alternative</a:t>
+            </a:r>
+            <a:r>
+              <a:rPr lang="en-CA" dirty="0" smtClean="0">
+                <a:latin typeface="+mn-lt"/>
+              </a:rPr>
+              <a:t>.</a:t>
+            </a:r>
+          </a:p>
+          <a:p>
+            <a:r>
+              <a:rPr lang="en-CA" dirty="0" smtClean="0">
+                <a:latin typeface="+mn-lt"/>
+              </a:rPr>
+              <a:t>Each one of these bullet points is necessary! Without it, this would not be the p-value so the full definition is important</a:t>
+            </a:r>
+            <a:endParaRPr lang="en-CA" dirty="0">
+              <a:latin typeface="+mn-lt"/>
+            </a:endParaRPr>
+          </a:p>
+        </p:txBody>
+      </p:sp>
+    </p:spTree>
+    <p:extLst>
+      <p:ext uri="{BB962C8B-B14F-4D97-AF65-F5344CB8AC3E}">
+        <p14:creationId xmlns:p14="http://schemas.microsoft.com/office/powerpoint/2010/main" val="3868547302"/>
+      </p:ext>
+    </p:extLst>
+  </p:cSld>
+  <p:clrMapOvr>
+    <a:masterClrMapping/>
+  </p:clrMapOvr>
+  <p:timing>
+    <p:tnLst>
+      <p:par>
+        <p:cTn id="1" dur="indefinite" restart="never" nodeType="tmRoot"/>
+      </p:par>
+    </p:tnLst>
+  </p:timing>
+</p:sld>
+</file>
+
+<file path=ppt/slides/slide11.xml><?xml version="1.0" encoding="utf-8"?>
+<p:sld xmlns:a="http://schemas.openxmlformats.org/drawingml/2006/main" xmlns:r="http://schemas.openxmlformats.org/officeDocument/2006/relationships" xmlns:p="http://schemas.openxmlformats.org/presentationml/2006/main">
+  <p:cSld>
+    <p:spTree>
+      <p:nvGrpSpPr>
+        <p:cNvPr id="1" name=""/>
+        <p:cNvGrpSpPr/>
+        <p:nvPr/>
+      </p:nvGrpSpPr>
+      <p:grpSpPr>
+        <a:xfrm>
+          <a:off x="0" y="0"/>
+          <a:ext cx="0" cy="0"/>
+          <a:chOff x="0" y="0"/>
+          <a:chExt cx="0" cy="0"/>
+        </a:xfrm>
+      </p:grpSpPr>
+      <p:sp>
+        <p:nvSpPr>
+          <p:cNvPr id="2" name="Title 1"/>
+          <p:cNvSpPr>
+            <a:spLocks noGrp="1"/>
+          </p:cNvSpPr>
+          <p:nvPr>
+            <p:ph type="title"/>
+          </p:nvPr>
+        </p:nvSpPr>
+        <p:spPr>
+          <a:xfrm>
+            <a:off x="457200" y="449932"/>
+            <a:ext cx="8286750" cy="1150353"/>
+          </a:xfrm>
+        </p:spPr>
+        <p:txBody>
+          <a:bodyPr/>
+          <a:lstStyle/>
+          <a:p>
+            <a:r>
+              <a:rPr lang="en-CA" dirty="0" smtClean="0">
+                <a:latin typeface="+mn-lt"/>
+              </a:rPr>
+              <a:t>P-Value (cont’d)</a:t>
+            </a:r>
+            <a:endParaRPr lang="en-CA" dirty="0">
+              <a:latin typeface="+mn-lt"/>
+            </a:endParaRPr>
+          </a:p>
+        </p:txBody>
+      </p:sp>
+      <p:pic>
+        <p:nvPicPr>
+          <p:cNvPr id="1026" name="Picture 2"/>
+          <p:cNvPicPr>
+            <a:picLocks noGrp="1" noChangeAspect="1" noChangeArrowheads="1"/>
+          </p:cNvPicPr>
+          <p:nvPr>
+            <p:ph idx="1"/>
+          </p:nvPr>
+        </p:nvPicPr>
+        <p:blipFill>
+          <a:blip r:embed="rId2">
+            <a:extLst>
+              <a:ext uri="{28A0092B-C50C-407E-A947-70E740481C1C}">
+                <a14:useLocalDpi xmlns:a14="http://schemas.microsoft.com/office/drawing/2010/main" val="0"/>
+              </a:ext>
+            </a:extLst>
+          </a:blip>
+          <a:srcRect/>
+          <a:stretch>
+            <a:fillRect/>
+          </a:stretch>
+        </p:blipFill>
+        <p:spPr bwMode="auto">
+          <a:xfrm>
+            <a:off x="1690580" y="1565799"/>
+            <a:ext cx="5762840" cy="3705950"/>
+          </a:xfrm>
+          <a:prstGeom prst="rect">
+            <a:avLst/>
+          </a:prstGeom>
+          <a:noFill/>
+          <a:ln>
+            <a:noFill/>
+          </a:ln>
+          <a:effectLst/>
+          <a:extLst>
+            <a:ext uri="{909E8E84-426E-40DD-AFC4-6F175D3DCCD1}">
+              <a14:hiddenFill xmlns:a14="http://schemas.microsoft.com/office/drawing/2010/main">
+                <a:solidFill>
+                  <a:schemeClr val="accent1"/>
+                </a:solidFill>
+              </a14:hiddenFill>
+            </a:ext>
+            <a:ext uri="{91240B29-F687-4F45-9708-019B960494DF}">
+              <a14:hiddenLine xmlns:a14="http://schemas.microsoft.com/office/drawing/2010/main" w="9525">
+                <a:solidFill>
+                  <a:schemeClr val="tx1"/>
+                </a:solidFill>
+                <a:miter lim="800000"/>
+                <a:headEnd/>
+                <a:tailEnd/>
+              </a14:hiddenLine>
+            </a:ext>
+            <a:ext uri="{AF507438-7753-43E0-B8FC-AC1667EBCBE1}">
+              <a14:hiddenEffects xmlns:a14="http://schemas.microsoft.com/office/drawing/2010/main">
+                <a:effectLst>
+                  <a:outerShdw dist="35921" dir="2700000" algn="ctr" rotWithShape="0">
+                    <a:schemeClr val="bg2"/>
+                  </a:outerShdw>
+                </a:effectLst>
+              </a14:hiddenEffects>
+            </a:ext>
+          </a:extLst>
+        </p:spPr>
+      </p:pic>
+    </p:spTree>
+    <p:extLst>
+      <p:ext uri="{BB962C8B-B14F-4D97-AF65-F5344CB8AC3E}">
+        <p14:creationId xmlns:p14="http://schemas.microsoft.com/office/powerpoint/2010/main" val="709115641"/>
+      </p:ext>
+    </p:extLst>
+  </p:cSld>
+  <p:clrMapOvr>
+    <a:masterClrMapping/>
+  </p:clrMapOvr>
+  <p:timing>
+    <p:tnLst>
+      <p:par>
+        <p:cTn id="1" dur="indefinite" restart="never" nodeType="tmRoot"/>
+      </p:par>
+    </p:tnLst>
+  </p:timing>
+</p:sld>
+</file>
+
+<file path=ppt/slides/slide12.xml><?xml version="1.0" encoding="utf-8"?>
+<p:sld xmlns:a="http://schemas.openxmlformats.org/drawingml/2006/main" xmlns:r="http://schemas.openxmlformats.org/officeDocument/2006/relationships" xmlns:p="http://schemas.openxmlformats.org/presentationml/2006/main">
+  <p:cSld>
+    <p:spTree>
+      <p:nvGrpSpPr>
+        <p:cNvPr id="1" name=""/>
+        <p:cNvGrpSpPr/>
+        <p:nvPr/>
+      </p:nvGrpSpPr>
+      <p:grpSpPr>
+        <a:xfrm>
+          <a:off x="0" y="0"/>
+          <a:ext cx="0" cy="0"/>
+          <a:chOff x="0" y="0"/>
+          <a:chExt cx="0" cy="0"/>
+        </a:xfrm>
+      </p:grpSpPr>
+      <p:sp>
+        <p:nvSpPr>
+          <p:cNvPr id="2" name="Title 1"/>
+          <p:cNvSpPr>
+            <a:spLocks noGrp="1"/>
+          </p:cNvSpPr>
+          <p:nvPr>
+            <p:ph type="title"/>
+          </p:nvPr>
+        </p:nvSpPr>
+        <p:spPr>
+          <a:xfrm>
+            <a:off x="457200" y="449932"/>
+            <a:ext cx="8286750" cy="1150353"/>
+          </a:xfrm>
+        </p:spPr>
+        <p:txBody>
+          <a:bodyPr/>
+          <a:lstStyle/>
+          <a:p>
+            <a:r>
+              <a:rPr lang="en-CA" dirty="0" smtClean="0">
+                <a:latin typeface="+mn-lt"/>
+              </a:rPr>
+              <a:t>Making a Decision</a:t>
+            </a:r>
+            <a:endParaRPr lang="en-CA" dirty="0">
+              <a:latin typeface="+mn-lt"/>
+            </a:endParaRPr>
+          </a:p>
+        </p:txBody>
+      </p:sp>
+      <p:sp>
+        <p:nvSpPr>
+          <p:cNvPr id="3" name="Content Placeholder 2"/>
+          <p:cNvSpPr>
+            <a:spLocks noGrp="1"/>
+          </p:cNvSpPr>
+          <p:nvPr>
+            <p:ph idx="1"/>
+          </p:nvPr>
+        </p:nvSpPr>
+        <p:spPr>
+          <a:xfrm>
+            <a:off x="457200" y="1756947"/>
+            <a:ext cx="8286750" cy="3596103"/>
+          </a:xfrm>
+        </p:spPr>
+        <p:txBody>
+          <a:bodyPr/>
+          <a:lstStyle/>
+          <a:p>
+            <a:r>
+              <a:rPr lang="en-CA" dirty="0" smtClean="0">
+                <a:latin typeface="+mn-lt"/>
+              </a:rPr>
+              <a:t>Compare the observed test statistic with the simulated test statistics to make a decision on whether or not to reject the null</a:t>
+            </a:r>
+          </a:p>
+          <a:p>
+            <a:r>
+              <a:rPr lang="en-CA" dirty="0" smtClean="0">
+                <a:latin typeface="+mn-lt"/>
+              </a:rPr>
+              <a:t>Traditionally people use a p-value </a:t>
+            </a:r>
+            <a:r>
+              <a:rPr lang="en-CA" dirty="0" err="1" smtClean="0">
+                <a:latin typeface="+mn-lt"/>
+              </a:rPr>
+              <a:t>cutoff</a:t>
+            </a:r>
+            <a:r>
+              <a:rPr lang="en-CA" dirty="0" smtClean="0">
+                <a:latin typeface="+mn-lt"/>
+              </a:rPr>
+              <a:t> of 5% </a:t>
+            </a:r>
+          </a:p>
+          <a:p>
+            <a:pPr lvl="1"/>
+            <a:r>
+              <a:rPr lang="en-CA" dirty="0" smtClean="0">
+                <a:latin typeface="+mn-lt"/>
+              </a:rPr>
+              <a:t>Any p-value less than or equal to 5% is treated as “statistically significant”</a:t>
+            </a:r>
+            <a:endParaRPr lang="en-CA" dirty="0">
+              <a:latin typeface="+mn-lt"/>
+            </a:endParaRPr>
+          </a:p>
+          <a:p>
+            <a:r>
+              <a:rPr lang="en-CA" dirty="0" smtClean="0">
+                <a:latin typeface="+mn-lt"/>
+              </a:rPr>
+              <a:t>If less than the </a:t>
+            </a:r>
+            <a:r>
+              <a:rPr lang="en-CA" dirty="0" err="1" smtClean="0">
+                <a:latin typeface="+mn-lt"/>
+              </a:rPr>
+              <a:t>cutoff</a:t>
+            </a:r>
+            <a:r>
+              <a:rPr lang="en-CA" dirty="0" smtClean="0">
+                <a:latin typeface="+mn-lt"/>
+              </a:rPr>
+              <a:t>, the null hypothesis is inconsistent with the data and we reject the null </a:t>
+            </a:r>
+          </a:p>
+          <a:p>
+            <a:pPr lvl="1"/>
+            <a:r>
+              <a:rPr lang="en-CA" dirty="0" smtClean="0">
+                <a:latin typeface="+mn-lt"/>
+              </a:rPr>
+              <a:t>Otherwise, we “fail to reject the null”</a:t>
+            </a:r>
+          </a:p>
+        </p:txBody>
+      </p:sp>
+    </p:spTree>
+    <p:extLst>
+      <p:ext uri="{BB962C8B-B14F-4D97-AF65-F5344CB8AC3E}">
+        <p14:creationId xmlns:p14="http://schemas.microsoft.com/office/powerpoint/2010/main" val="214415697"/>
+      </p:ext>
+    </p:extLst>
+  </p:cSld>
+  <p:clrMapOvr>
+    <a:masterClrMapping/>
+  </p:clrMapOvr>
+  <p:timing>
+    <p:tnLst>
+      <p:par>
+        <p:cTn id="1" dur="indefinite" restart="never" nodeType="tmRoot"/>
+      </p:par>
+    </p:tnLst>
+  </p:timing>
+</p:sld>
+</file>
+
+<file path=ppt/slides/slide13.xml><?xml version="1.0" encoding="utf-8"?>
+<p:sld xmlns:a="http://schemas.openxmlformats.org/drawingml/2006/main" xmlns:r="http://schemas.openxmlformats.org/officeDocument/2006/relationships" xmlns:p="http://schemas.openxmlformats.org/presentationml/2006/main">
+  <p:cSld>
+    <p:spTree>
+      <p:nvGrpSpPr>
+        <p:cNvPr id="1" name=""/>
+        <p:cNvGrpSpPr/>
+        <p:nvPr/>
+      </p:nvGrpSpPr>
+      <p:grpSpPr>
+        <a:xfrm>
+          <a:off x="0" y="0"/>
+          <a:ext cx="0" cy="0"/>
+          <a:chOff x="0" y="0"/>
+          <a:chExt cx="0" cy="0"/>
+        </a:xfrm>
+      </p:grpSpPr>
+      <p:sp>
+        <p:nvSpPr>
+          <p:cNvPr id="2" name="Title 1"/>
+          <p:cNvSpPr>
+            <a:spLocks noGrp="1"/>
+          </p:cNvSpPr>
+          <p:nvPr>
+            <p:ph type="title"/>
+          </p:nvPr>
+        </p:nvSpPr>
+        <p:spPr>
+          <a:xfrm>
+            <a:off x="457200" y="449932"/>
+            <a:ext cx="8286750" cy="1150353"/>
+          </a:xfrm>
+        </p:spPr>
+        <p:txBody>
+          <a:bodyPr/>
+          <a:lstStyle/>
+          <a:p>
+            <a:r>
+              <a:rPr lang="en-CA" dirty="0" smtClean="0">
+                <a:latin typeface="+mn-lt"/>
+              </a:rPr>
+              <a:t>Example: Swain v. Alabama</a:t>
+            </a:r>
+            <a:endParaRPr lang="en-CA" dirty="0">
+              <a:latin typeface="+mn-lt"/>
+            </a:endParaRPr>
+          </a:p>
+        </p:txBody>
+      </p:sp>
+      <p:sp>
+        <p:nvSpPr>
+          <p:cNvPr id="7" name="Content Placeholder 2"/>
+          <p:cNvSpPr>
+            <a:spLocks noGrp="1"/>
+          </p:cNvSpPr>
+          <p:nvPr>
+            <p:ph idx="1"/>
+          </p:nvPr>
+        </p:nvSpPr>
+        <p:spPr>
+          <a:xfrm>
+            <a:off x="457200" y="1756947"/>
+            <a:ext cx="3952875" cy="3872328"/>
+          </a:xfrm>
+        </p:spPr>
+        <p:txBody>
+          <a:bodyPr>
+            <a:normAutofit lnSpcReduction="10000"/>
+          </a:bodyPr>
+          <a:lstStyle/>
+          <a:p>
+            <a:r>
+              <a:rPr lang="en-CA" dirty="0" smtClean="0">
+                <a:latin typeface="+mn-lt"/>
+              </a:rPr>
+              <a:t>Null: Jury panel drawn at random</a:t>
+            </a:r>
+          </a:p>
+          <a:p>
+            <a:r>
+              <a:rPr lang="en-CA" dirty="0" smtClean="0">
+                <a:latin typeface="+mn-lt"/>
+              </a:rPr>
+              <a:t>Alternative: Too few Black jurors</a:t>
+            </a:r>
+          </a:p>
+          <a:p>
+            <a:r>
+              <a:rPr lang="en-CA" dirty="0" smtClean="0">
+                <a:latin typeface="+mn-lt"/>
+              </a:rPr>
+              <a:t>Statistic: Number of black jurors on panel</a:t>
+            </a:r>
+          </a:p>
+          <a:p>
+            <a:r>
+              <a:rPr lang="en-CA" dirty="0" smtClean="0">
+                <a:latin typeface="+mn-lt"/>
+              </a:rPr>
+              <a:t>P-Value: Area at or to the left of the observed value (yellow line)</a:t>
+            </a:r>
+          </a:p>
+          <a:p>
+            <a:r>
+              <a:rPr lang="en-CA" dirty="0" smtClean="0">
+                <a:latin typeface="+mn-lt"/>
+              </a:rPr>
+              <a:t>Result: Test favours alternative</a:t>
+            </a:r>
+          </a:p>
+          <a:p>
+            <a:endParaRPr lang="en-CA" dirty="0">
+              <a:latin typeface="+mn-lt"/>
+            </a:endParaRPr>
+          </a:p>
+        </p:txBody>
+      </p:sp>
+      <p:pic>
+        <p:nvPicPr>
+          <p:cNvPr id="5125" name="Picture 5"/>
+          <p:cNvPicPr>
+            <a:picLocks noChangeAspect="1" noChangeArrowheads="1"/>
+          </p:cNvPicPr>
+          <p:nvPr/>
+        </p:nvPicPr>
+        <p:blipFill>
+          <a:blip r:embed="rId3">
+            <a:extLst>
+              <a:ext uri="{28A0092B-C50C-407E-A947-70E740481C1C}">
+                <a14:useLocalDpi xmlns:a14="http://schemas.microsoft.com/office/drawing/2010/main" val="0"/>
+              </a:ext>
+            </a:extLst>
+          </a:blip>
+          <a:srcRect/>
+          <a:stretch>
+            <a:fillRect/>
+          </a:stretch>
+        </p:blipFill>
+        <p:spPr bwMode="auto">
+          <a:xfrm>
+            <a:off x="4532312" y="1996281"/>
+            <a:ext cx="4335463" cy="2865438"/>
+          </a:xfrm>
+          <a:prstGeom prst="rect">
+            <a:avLst/>
+          </a:prstGeom>
+          <a:noFill/>
+          <a:ln>
+            <a:noFill/>
+          </a:ln>
+          <a:effectLst/>
+          <a:extLst>
+            <a:ext uri="{909E8E84-426E-40DD-AFC4-6F175D3DCCD1}">
+              <a14:hiddenFill xmlns:a14="http://schemas.microsoft.com/office/drawing/2010/main">
+                <a:solidFill>
+                  <a:schemeClr val="accent1"/>
+                </a:solidFill>
+              </a14:hiddenFill>
+            </a:ext>
+            <a:ext uri="{91240B29-F687-4F45-9708-019B960494DF}">
+              <a14:hiddenLine xmlns:a14="http://schemas.microsoft.com/office/drawing/2010/main" w="9525">
+                <a:solidFill>
+                  <a:schemeClr val="tx1"/>
+                </a:solidFill>
+                <a:miter lim="800000"/>
+                <a:headEnd/>
+                <a:tailEnd/>
+              </a14:hiddenLine>
+            </a:ext>
+            <a:ext uri="{AF507438-7753-43E0-B8FC-AC1667EBCBE1}">
+              <a14:hiddenEffects xmlns:a14="http://schemas.microsoft.com/office/drawing/2010/main">
+                <a:effectLst>
+                  <a:outerShdw dist="35921" dir="2700000" algn="ctr" rotWithShape="0">
+                    <a:schemeClr val="bg2"/>
+                  </a:outerShdw>
+                </a:effectLst>
+              </a14:hiddenEffects>
+            </a:ext>
+          </a:extLst>
+        </p:spPr>
+      </p:pic>
+    </p:spTree>
+    <p:extLst>
+      <p:ext uri="{BB962C8B-B14F-4D97-AF65-F5344CB8AC3E}">
+        <p14:creationId xmlns:p14="http://schemas.microsoft.com/office/powerpoint/2010/main" val="670248572"/>
+      </p:ext>
+    </p:extLst>
+  </p:cSld>
+  <p:clrMapOvr>
+    <a:masterClrMapping/>
+  </p:clrMapOvr>
+  <p:timing>
+    <p:tnLst>
+      <p:par>
+        <p:cTn id="1" dur="indefinite" restart="never" nodeType="tmRoot"/>
+      </p:par>
+    </p:tnLst>
+  </p:timing>
+</p:sld>
+</file>
+
+<file path=ppt/slides/slide14.xml><?xml version="1.0" encoding="utf-8"?>
+<p:sld xmlns:a="http://schemas.openxmlformats.org/drawingml/2006/main" xmlns:r="http://schemas.openxmlformats.org/officeDocument/2006/relationships" xmlns:p="http://schemas.openxmlformats.org/presentationml/2006/main">
+  <p:cSld>
+    <p:spTree>
+      <p:nvGrpSpPr>
+        <p:cNvPr id="1" name=""/>
+        <p:cNvGrpSpPr/>
+        <p:nvPr/>
+      </p:nvGrpSpPr>
+      <p:grpSpPr>
+        <a:xfrm>
+          <a:off x="0" y="0"/>
+          <a:ext cx="0" cy="0"/>
+          <a:chOff x="0" y="0"/>
+          <a:chExt cx="0" cy="0"/>
+        </a:xfrm>
+      </p:grpSpPr>
+      <p:sp>
+        <p:nvSpPr>
+          <p:cNvPr id="2" name="Title 1"/>
+          <p:cNvSpPr>
+            <a:spLocks noGrp="1"/>
+          </p:cNvSpPr>
+          <p:nvPr>
+            <p:ph type="title"/>
+          </p:nvPr>
+        </p:nvSpPr>
+        <p:spPr>
+          <a:xfrm>
+            <a:off x="457200" y="449932"/>
+            <a:ext cx="8286750" cy="1150353"/>
+          </a:xfrm>
+        </p:spPr>
+        <p:txBody>
+          <a:bodyPr/>
+          <a:lstStyle/>
+          <a:p>
+            <a:r>
+              <a:rPr lang="en-CA" dirty="0" smtClean="0">
+                <a:latin typeface="+mn-lt"/>
+              </a:rPr>
+              <a:t>Example: Mendel’s Peas</a:t>
+            </a:r>
+            <a:endParaRPr lang="en-CA" dirty="0">
+              <a:latin typeface="+mn-lt"/>
+            </a:endParaRPr>
+          </a:p>
+        </p:txBody>
+      </p:sp>
+      <p:sp>
+        <p:nvSpPr>
+          <p:cNvPr id="7" name="Content Placeholder 2"/>
+          <p:cNvSpPr>
+            <a:spLocks noGrp="1"/>
+          </p:cNvSpPr>
+          <p:nvPr>
+            <p:ph idx="1"/>
+          </p:nvPr>
+        </p:nvSpPr>
+        <p:spPr>
+          <a:xfrm>
+            <a:off x="457200" y="1756947"/>
+            <a:ext cx="3952875" cy="3872328"/>
+          </a:xfrm>
+        </p:spPr>
+        <p:txBody>
+          <a:bodyPr>
+            <a:normAutofit fontScale="92500" lnSpcReduction="10000"/>
+          </a:bodyPr>
+          <a:lstStyle/>
+          <a:p>
+            <a:r>
+              <a:rPr lang="en-CA" dirty="0">
+                <a:latin typeface="+mn-lt"/>
+              </a:rPr>
+              <a:t>Null: Each pea plant has 75% chance of being purple </a:t>
+            </a:r>
+            <a:r>
+              <a:rPr lang="en-CA" dirty="0" smtClean="0">
+                <a:latin typeface="+mn-lt"/>
+              </a:rPr>
+              <a:t>flowering</a:t>
+            </a:r>
+          </a:p>
+          <a:p>
+            <a:r>
+              <a:rPr lang="en-CA" dirty="0" smtClean="0">
+                <a:latin typeface="+mn-lt"/>
+              </a:rPr>
+              <a:t>Alternative</a:t>
+            </a:r>
+            <a:r>
+              <a:rPr lang="en-CA" dirty="0">
+                <a:latin typeface="+mn-lt"/>
+              </a:rPr>
+              <a:t>: </a:t>
+            </a:r>
+            <a:r>
+              <a:rPr lang="en-CA" dirty="0" smtClean="0">
+                <a:latin typeface="+mn-lt"/>
+              </a:rPr>
+              <a:t>Pea plant does not have 75% chance of being purple flowering</a:t>
+            </a:r>
+            <a:endParaRPr lang="en-CA" dirty="0">
+              <a:latin typeface="+mn-lt"/>
+            </a:endParaRPr>
+          </a:p>
+          <a:p>
+            <a:r>
+              <a:rPr lang="en-CA" dirty="0">
+                <a:latin typeface="+mn-lt"/>
+              </a:rPr>
+              <a:t>Statistic: </a:t>
+            </a:r>
+            <a:r>
+              <a:rPr lang="en-CA" dirty="0" smtClean="0">
+                <a:latin typeface="+mn-lt"/>
+              </a:rPr>
+              <a:t>| % purple flowering peas in sample – 75 | </a:t>
+            </a:r>
+          </a:p>
+          <a:p>
+            <a:r>
+              <a:rPr lang="en-CA" dirty="0" smtClean="0">
+                <a:latin typeface="+mn-lt"/>
+              </a:rPr>
+              <a:t>P-Value</a:t>
+            </a:r>
+            <a:r>
+              <a:rPr lang="en-CA" dirty="0">
+                <a:latin typeface="+mn-lt"/>
+              </a:rPr>
+              <a:t>: Area at or to the </a:t>
+            </a:r>
+            <a:r>
+              <a:rPr lang="en-CA" dirty="0" smtClean="0">
+                <a:latin typeface="+mn-lt"/>
+              </a:rPr>
+              <a:t>right of the observed value (yellow </a:t>
+            </a:r>
+            <a:r>
+              <a:rPr lang="en-CA" dirty="0">
+                <a:latin typeface="+mn-lt"/>
+              </a:rPr>
+              <a:t>line)</a:t>
+            </a:r>
+          </a:p>
+          <a:p>
+            <a:r>
+              <a:rPr lang="en-CA" dirty="0">
+                <a:latin typeface="+mn-lt"/>
+              </a:rPr>
+              <a:t>Result: Test favours </a:t>
+            </a:r>
+            <a:r>
+              <a:rPr lang="en-CA" dirty="0" smtClean="0">
+                <a:latin typeface="+mn-lt"/>
+              </a:rPr>
+              <a:t>null</a:t>
+            </a:r>
+            <a:endParaRPr lang="en-CA" dirty="0">
+              <a:latin typeface="+mn-lt"/>
+            </a:endParaRPr>
+          </a:p>
+          <a:p>
+            <a:endParaRPr lang="en-CA" dirty="0">
+              <a:latin typeface="+mn-lt"/>
+            </a:endParaRPr>
+          </a:p>
+        </p:txBody>
+      </p:sp>
+      <p:pic>
+        <p:nvPicPr>
+          <p:cNvPr id="6146" name="Picture 2"/>
+          <p:cNvPicPr>
+            <a:picLocks noChangeAspect="1" noChangeArrowheads="1"/>
+          </p:cNvPicPr>
+          <p:nvPr/>
+        </p:nvPicPr>
+        <p:blipFill>
+          <a:blip r:embed="rId3">
+            <a:extLst>
+              <a:ext uri="{28A0092B-C50C-407E-A947-70E740481C1C}">
+                <a14:useLocalDpi xmlns:a14="http://schemas.microsoft.com/office/drawing/2010/main" val="0"/>
+              </a:ext>
+            </a:extLst>
+          </a:blip>
+          <a:srcRect/>
+          <a:stretch>
+            <a:fillRect/>
+          </a:stretch>
+        </p:blipFill>
+        <p:spPr bwMode="auto">
+          <a:xfrm>
+            <a:off x="4516438" y="2023269"/>
+            <a:ext cx="4359275" cy="2811463"/>
+          </a:xfrm>
+          <a:prstGeom prst="rect">
+            <a:avLst/>
+          </a:prstGeom>
+          <a:noFill/>
+          <a:ln>
+            <a:noFill/>
+          </a:ln>
+          <a:effectLst/>
+          <a:extLst>
+            <a:ext uri="{909E8E84-426E-40DD-AFC4-6F175D3DCCD1}">
+              <a14:hiddenFill xmlns:a14="http://schemas.microsoft.com/office/drawing/2010/main">
+                <a:solidFill>
+                  <a:schemeClr val="accent1"/>
+                </a:solidFill>
+              </a14:hiddenFill>
+            </a:ext>
+            <a:ext uri="{91240B29-F687-4F45-9708-019B960494DF}">
+              <a14:hiddenLine xmlns:a14="http://schemas.microsoft.com/office/drawing/2010/main" w="9525">
+                <a:solidFill>
+                  <a:schemeClr val="tx1"/>
+                </a:solidFill>
+                <a:miter lim="800000"/>
+                <a:headEnd/>
+                <a:tailEnd/>
+              </a14:hiddenLine>
+            </a:ext>
+            <a:ext uri="{AF507438-7753-43E0-B8FC-AC1667EBCBE1}">
+              <a14:hiddenEffects xmlns:a14="http://schemas.microsoft.com/office/drawing/2010/main">
+                <a:effectLst>
+                  <a:outerShdw dist="35921" dir="2700000" algn="ctr" rotWithShape="0">
+                    <a:schemeClr val="bg2"/>
+                  </a:outerShdw>
+                </a:effectLst>
+              </a14:hiddenEffects>
+            </a:ext>
+          </a:extLst>
+        </p:spPr>
+      </p:pic>
+    </p:spTree>
+    <p:extLst>
+      <p:ext uri="{BB962C8B-B14F-4D97-AF65-F5344CB8AC3E}">
+        <p14:creationId xmlns:p14="http://schemas.microsoft.com/office/powerpoint/2010/main" val="3656309352"/>
+      </p:ext>
+    </p:extLst>
+  </p:cSld>
+  <p:clrMapOvr>
+    <a:masterClrMapping/>
+  </p:clrMapOvr>
+  <p:timing>
+    <p:tnLst>
+      <p:par>
+        <p:cTn id="1" dur="indefinite" restart="never" nodeType="tmRoot"/>
+      </p:par>
+    </p:tnLst>
+  </p:timing>
+</p:sld>
+</file>
+
+<file path=ppt/slides/slide15.xml><?xml version="1.0" encoding="utf-8"?>
+<p:sld xmlns:a="http://schemas.openxmlformats.org/drawingml/2006/main" xmlns:r="http://schemas.openxmlformats.org/officeDocument/2006/relationships" xmlns:p="http://schemas.openxmlformats.org/presentationml/2006/main">
+  <p:cSld>
+    <p:spTree>
+      <p:nvGrpSpPr>
+        <p:cNvPr id="1" name=""/>
+        <p:cNvGrpSpPr/>
+        <p:nvPr/>
+      </p:nvGrpSpPr>
+      <p:grpSpPr>
+        <a:xfrm>
+          <a:off x="0" y="0"/>
+          <a:ext cx="0" cy="0"/>
+          <a:chOff x="0" y="0"/>
+          <a:chExt cx="0" cy="0"/>
+        </a:xfrm>
+      </p:grpSpPr>
+      <p:sp>
+        <p:nvSpPr>
+          <p:cNvPr id="2" name="Title 1"/>
+          <p:cNvSpPr>
+            <a:spLocks noGrp="1"/>
+          </p:cNvSpPr>
+          <p:nvPr>
+            <p:ph type="title"/>
+          </p:nvPr>
+        </p:nvSpPr>
+        <p:spPr>
+          <a:xfrm>
+            <a:off x="457200" y="449932"/>
+            <a:ext cx="8286750" cy="1150353"/>
+          </a:xfrm>
+        </p:spPr>
+        <p:txBody>
+          <a:bodyPr/>
+          <a:lstStyle/>
+          <a:p>
+            <a:r>
+              <a:rPr lang="en-CA" dirty="0" smtClean="0">
+                <a:latin typeface="+mn-lt"/>
+              </a:rPr>
+              <a:t>Error Probabilities</a:t>
+            </a:r>
+            <a:endParaRPr lang="en-CA" dirty="0">
+              <a:latin typeface="+mn-lt"/>
+            </a:endParaRPr>
+          </a:p>
+        </p:txBody>
+      </p:sp>
+      <p:sp>
+        <p:nvSpPr>
+          <p:cNvPr id="3" name="Content Placeholder 2"/>
+          <p:cNvSpPr>
+            <a:spLocks noGrp="1"/>
+          </p:cNvSpPr>
+          <p:nvPr>
+            <p:ph idx="1"/>
+          </p:nvPr>
+        </p:nvSpPr>
+        <p:spPr>
+          <a:xfrm>
+            <a:off x="457200" y="1756947"/>
+            <a:ext cx="8286750" cy="3596103"/>
+          </a:xfrm>
+        </p:spPr>
+        <p:txBody>
+          <a:bodyPr/>
+          <a:lstStyle/>
+          <a:p>
+            <a:r>
+              <a:rPr lang="en-CA" dirty="0" smtClean="0">
+                <a:latin typeface="+mn-lt"/>
+              </a:rPr>
+              <a:t>The p-value </a:t>
+            </a:r>
+            <a:r>
+              <a:rPr lang="en-CA" dirty="0" err="1" smtClean="0">
+                <a:latin typeface="+mn-lt"/>
+              </a:rPr>
+              <a:t>cutoff</a:t>
+            </a:r>
+            <a:r>
+              <a:rPr lang="en-CA" dirty="0" smtClean="0">
+                <a:latin typeface="+mn-lt"/>
+              </a:rPr>
+              <a:t> is also the probability of a Type I Error</a:t>
+            </a:r>
+          </a:p>
+          <a:p>
+            <a:r>
+              <a:rPr lang="en-CA" dirty="0" smtClean="0">
+                <a:latin typeface="+mn-lt"/>
+              </a:rPr>
+              <a:t>It is the probability of rejecting the null even when the null is true</a:t>
+            </a:r>
+          </a:p>
+          <a:p>
+            <a:r>
+              <a:rPr lang="en-CA" dirty="0" smtClean="0">
+                <a:latin typeface="+mn-lt"/>
+              </a:rPr>
+              <a:t>Example: Using a p-value </a:t>
+            </a:r>
+            <a:r>
+              <a:rPr lang="en-CA" dirty="0" err="1" smtClean="0">
+                <a:latin typeface="+mn-lt"/>
+              </a:rPr>
+              <a:t>cutoff</a:t>
+            </a:r>
+            <a:r>
+              <a:rPr lang="en-CA" dirty="0" smtClean="0">
+                <a:latin typeface="+mn-lt"/>
+              </a:rPr>
+              <a:t> of 5%, there is a 5% chance of rejecting the null even when the null is true</a:t>
+            </a:r>
+          </a:p>
+        </p:txBody>
+      </p:sp>
+    </p:spTree>
+    <p:extLst>
+      <p:ext uri="{BB962C8B-B14F-4D97-AF65-F5344CB8AC3E}">
+        <p14:creationId xmlns:p14="http://schemas.microsoft.com/office/powerpoint/2010/main" val="3584523281"/>
+      </p:ext>
+    </p:extLst>
+  </p:cSld>
+  <p:clrMapOvr>
+    <a:masterClrMapping/>
+  </p:clrMapOvr>
+  <p:timing>
+    <p:tnLst>
+      <p:par>
+        <p:cTn id="1" dur="indefinite" restart="never" nodeType="tmRoot"/>
+      </p:par>
+    </p:tnLst>
+  </p:timing>
+</p:sld>
+</file>
+
+<file path=ppt/slides/slide16.xml><?xml version="1.0" encoding="utf-8"?>
+<p:sld xmlns:a="http://schemas.openxmlformats.org/drawingml/2006/main" xmlns:r="http://schemas.openxmlformats.org/officeDocument/2006/relationships" xmlns:p="http://schemas.openxmlformats.org/presentationml/2006/main">
+  <p:cSld>
+    <p:spTree>
+      <p:nvGrpSpPr>
+        <p:cNvPr id="1" name=""/>
+        <p:cNvGrpSpPr/>
+        <p:nvPr/>
+      </p:nvGrpSpPr>
+      <p:grpSpPr>
+        <a:xfrm>
+          <a:off x="0" y="0"/>
+          <a:ext cx="0" cy="0"/>
+          <a:chOff x="0" y="0"/>
+          <a:chExt cx="0" cy="0"/>
+        </a:xfrm>
+      </p:grpSpPr>
+      <p:sp>
+        <p:nvSpPr>
+          <p:cNvPr id="2" name="Title 1"/>
+          <p:cNvSpPr>
+            <a:spLocks noGrp="1"/>
+          </p:cNvSpPr>
+          <p:nvPr>
+            <p:ph type="title"/>
+          </p:nvPr>
+        </p:nvSpPr>
+        <p:spPr>
+          <a:xfrm>
+            <a:off x="457200" y="449932"/>
+            <a:ext cx="8286750" cy="1150353"/>
+          </a:xfrm>
+        </p:spPr>
+        <p:txBody>
+          <a:bodyPr/>
+          <a:lstStyle/>
+          <a:p>
+            <a:r>
+              <a:rPr lang="en-CA" dirty="0" smtClean="0">
+                <a:latin typeface="+mn-lt"/>
+              </a:rPr>
+              <a:t>Announcements</a:t>
+            </a:r>
+            <a:endParaRPr lang="en-CA" dirty="0">
+              <a:latin typeface="+mn-lt"/>
+            </a:endParaRPr>
+          </a:p>
+        </p:txBody>
+      </p:sp>
+      <p:sp>
+        <p:nvSpPr>
+          <p:cNvPr id="3" name="Content Placeholder 2"/>
+          <p:cNvSpPr>
+            <a:spLocks noGrp="1"/>
+          </p:cNvSpPr>
+          <p:nvPr>
+            <p:ph idx="1"/>
+          </p:nvPr>
+        </p:nvSpPr>
+        <p:spPr>
+          <a:xfrm>
+            <a:off x="457200" y="1756947"/>
+            <a:ext cx="8286750" cy="3596103"/>
+          </a:xfrm>
+        </p:spPr>
+        <p:txBody>
+          <a:bodyPr/>
+          <a:lstStyle/>
+          <a:p>
+            <a:endParaRPr lang="en-CA" dirty="0">
+              <a:latin typeface="+mn-lt"/>
+            </a:endParaRPr>
+          </a:p>
+        </p:txBody>
+      </p:sp>
+    </p:spTree>
+    <p:extLst>
+      <p:ext uri="{BB962C8B-B14F-4D97-AF65-F5344CB8AC3E}">
+        <p14:creationId xmlns:p14="http://schemas.microsoft.com/office/powerpoint/2010/main" val="203414778"/>
+      </p:ext>
+    </p:extLst>
+  </p:cSld>
+  <p:clrMapOvr>
+    <a:masterClrMapping/>
+  </p:clrMapOvr>
+  <p:timing>
+    <p:tnLst>
+      <p:par>
+        <p:cTn id="1" dur="indefinite" restart="never" nodeType="tmRoot"/>
+      </p:par>
+    </p:tnLst>
+  </p:timing>
+</p:sld>
+</file>
+
+<file path=ppt/slides/slide17.xml><?xml version="1.0" encoding="utf-8"?>
+<p:sld xmlns:a="http://schemas.openxmlformats.org/drawingml/2006/main" xmlns:r="http://schemas.openxmlformats.org/officeDocument/2006/relationships" xmlns:p="http://schemas.openxmlformats.org/presentationml/2006/main">
+  <p:cSld>
+    <p:spTree>
+      <p:nvGrpSpPr>
+        <p:cNvPr id="1" name=""/>
+        <p:cNvGrpSpPr/>
+        <p:nvPr/>
+      </p:nvGrpSpPr>
+      <p:grpSpPr>
+        <a:xfrm>
+          <a:off x="0" y="0"/>
+          <a:ext cx="0" cy="0"/>
+          <a:chOff x="0" y="0"/>
+          <a:chExt cx="0" cy="0"/>
+        </a:xfrm>
+      </p:grpSpPr>
+      <p:sp>
+        <p:nvSpPr>
+          <p:cNvPr id="2" name="Title 1"/>
+          <p:cNvSpPr>
+            <a:spLocks noGrp="1"/>
+          </p:cNvSpPr>
+          <p:nvPr>
+            <p:ph type="title"/>
+          </p:nvPr>
+        </p:nvSpPr>
+        <p:spPr>
+          <a:xfrm>
+            <a:off x="457200" y="449932"/>
+            <a:ext cx="8286750" cy="1150353"/>
+          </a:xfrm>
+        </p:spPr>
+        <p:txBody>
+          <a:bodyPr/>
+          <a:lstStyle/>
+          <a:p>
+            <a:r>
+              <a:rPr lang="en-CA" dirty="0" smtClean="0">
+                <a:latin typeface="+mn-lt"/>
+              </a:rPr>
+              <a:t>Lab Notebook</a:t>
+            </a:r>
+            <a:endParaRPr lang="en-CA" dirty="0">
+              <a:latin typeface="+mn-lt"/>
+            </a:endParaRPr>
+          </a:p>
+        </p:txBody>
+      </p:sp>
+      <p:sp>
+        <p:nvSpPr>
+          <p:cNvPr id="3" name="Content Placeholder 2"/>
+          <p:cNvSpPr>
+            <a:spLocks noGrp="1"/>
+          </p:cNvSpPr>
+          <p:nvPr>
+            <p:ph idx="1"/>
+          </p:nvPr>
+        </p:nvSpPr>
+        <p:spPr>
+          <a:xfrm>
+            <a:off x="457200" y="1756947"/>
+            <a:ext cx="8286750" cy="3596103"/>
+          </a:xfrm>
+        </p:spPr>
+        <p:txBody>
+          <a:bodyPr/>
+          <a:lstStyle/>
+          <a:p>
+            <a:pPr marL="0" indent="0">
+              <a:buNone/>
+            </a:pPr>
+            <a:r>
+              <a:rPr lang="en-CA" smtClean="0">
+                <a:latin typeface="Avenir LT Std 45 Book" pitchFamily="34" charset="0"/>
+              </a:rPr>
+              <a:t>TBD</a:t>
+            </a:r>
+          </a:p>
+        </p:txBody>
+      </p:sp>
+    </p:spTree>
+    <p:extLst>
+      <p:ext uri="{BB962C8B-B14F-4D97-AF65-F5344CB8AC3E}">
+        <p14:creationId xmlns:p14="http://schemas.microsoft.com/office/powerpoint/2010/main" val="687167673"/>
       </p:ext>
     </p:extLst>
   </p:cSld>
@@ -7844,11 +9276,8 @@
               <a:rPr lang="en-CA" dirty="0" smtClean="0">
                 <a:latin typeface="+mn-lt"/>
               </a:rPr>
-              <a:t>Probability </a:t>
-            </a:r>
-            <a:endParaRPr lang="en-CA" dirty="0" smtClean="0">
-              <a:latin typeface="+mn-lt"/>
-            </a:endParaRPr>
+              <a:t>Null/Alternative Hypotheses</a:t>
+            </a:r>
           </a:p>
           <a:p>
             <a:pPr marL="457200" indent="-457200">
@@ -7858,7 +9287,62 @@
               <a:rPr lang="en-CA" dirty="0" smtClean="0">
                 <a:latin typeface="+mn-lt"/>
               </a:rPr>
-              <a:t>Sampling</a:t>
+              <a:t>Test Statistics</a:t>
+            </a:r>
+          </a:p>
+          <a:p>
+            <a:pPr marL="457200" indent="-457200">
+              <a:buAutoNum type="arabicPeriod"/>
+            </a:pPr>
+            <a:r>
+              <a:rPr lang="en-CA" dirty="0" smtClean="0">
+                <a:latin typeface="+mn-lt"/>
+              </a:rPr>
+              <a:t>Multiple Categories</a:t>
+            </a:r>
+          </a:p>
+          <a:p>
+            <a:pPr marL="457200" indent="-457200">
+              <a:buAutoNum type="arabicPeriod"/>
+            </a:pPr>
+            <a:r>
+              <a:rPr lang="en-CA" dirty="0" smtClean="0">
+                <a:latin typeface="+mn-lt"/>
+              </a:rPr>
+              <a:t>Simulations</a:t>
+            </a:r>
+          </a:p>
+          <a:p>
+            <a:pPr marL="457200" indent="-457200">
+              <a:buAutoNum type="arabicPeriod"/>
+            </a:pPr>
+            <a:r>
+              <a:rPr lang="en-CA" dirty="0" smtClean="0">
+                <a:latin typeface="+mn-lt"/>
+              </a:rPr>
+              <a:t>P-Values</a:t>
+            </a:r>
+          </a:p>
+          <a:p>
+            <a:pPr marL="457200" indent="-457200">
+              <a:buAutoNum type="arabicPeriod"/>
+            </a:pPr>
+            <a:r>
+              <a:rPr lang="en-CA" dirty="0" smtClean="0">
+                <a:latin typeface="+mn-lt"/>
+              </a:rPr>
+              <a:t>Decision-Making</a:t>
+            </a:r>
+          </a:p>
+          <a:p>
+            <a:pPr marL="457200" indent="-457200">
+              <a:buAutoNum type="arabicPeriod"/>
+            </a:pPr>
+            <a:r>
+              <a:rPr lang="en-CA" dirty="0" smtClean="0">
+                <a:latin typeface="+mn-lt"/>
+              </a:rPr>
+              <a:t>Examples</a:t>
             </a:r>
             <a:endParaRPr lang="en-CA" dirty="0" smtClean="0">
               <a:latin typeface="+mn-lt"/>
@@ -7943,7 +9427,7 @@
               <a:rPr lang="en-CA" dirty="0" smtClean="0">
                 <a:latin typeface="+mn-lt"/>
               </a:rPr>
-              <a:t>Probability Review</a:t>
+              <a:t>Assessing a Model</a:t>
             </a:r>
             <a:endParaRPr lang="en-CA" dirty="0">
               <a:latin typeface="+mn-lt"/>
@@ -7975,15 +9459,16 @@
               <a:rPr lang="en-CA" dirty="0" smtClean="0">
                 <a:latin typeface="+mn-lt"/>
               </a:rPr>
-              <a:t>Probability is a number between 0 and 1 (inclusive)</a:t>
-            </a:r>
-          </a:p>
-          <a:p>
+              <a:t>Identifying a model (a set of assumptions)</a:t>
+            </a:r>
+          </a:p>
+          <a:p>
+            <a:pPr lvl="1"/>
             <a:r>
               <a:rPr lang="en-CA" dirty="0" smtClean="0">
                 <a:latin typeface="+mn-lt"/>
               </a:rPr>
-              <a:t>P(A) = 0.5 means there is a 50% chance of event A happening</a:t>
+              <a:t>Example: Jury panel selected at random from the population</a:t>
             </a:r>
           </a:p>
           <a:p>
@@ -7991,15 +9476,16 @@
               <a:rPr lang="en-CA" dirty="0" smtClean="0">
                 <a:latin typeface="+mn-lt"/>
               </a:rPr>
-              <a:t>Calculated by determining what % of all possible outcomes result in A happening</a:t>
-            </a:r>
-          </a:p>
-          <a:p>
+              <a:t>Choose a statistic to measure discrepancy between model and data</a:t>
+            </a:r>
+          </a:p>
+          <a:p>
+            <a:pPr lvl="1"/>
             <a:r>
               <a:rPr lang="en-CA" dirty="0" smtClean="0">
                 <a:latin typeface="+mn-lt"/>
               </a:rPr>
-              <a:t>Complement: P(A doesn’t happen) = 1-P(A)</a:t>
+              <a:t>Example: Number of black men selected for jury panel</a:t>
             </a:r>
           </a:p>
           <a:p>
@@ -8007,7 +9493,7 @@
               <a:rPr lang="en-CA" dirty="0" smtClean="0">
                 <a:latin typeface="+mn-lt"/>
               </a:rPr>
-              <a:t>Multiplicative Rule: Probability that events A and B happen is P(A happens) x P(B happens given that A has happened)</a:t>
+              <a:t>Simulate statistic under the model</a:t>
             </a:r>
           </a:p>
           <a:p>
@@ -8015,13 +9501,10 @@
               <a:rPr lang="en-CA" dirty="0" smtClean="0">
                 <a:latin typeface="+mn-lt"/>
               </a:rPr>
-              <a:t>Additive Rule: If event A can happen in two ways, then P(A happens) = P(first way) + P(second way)</a:t>
-            </a:r>
-          </a:p>
-          <a:p>
-            <a:pPr marL="0" indent="0">
-              <a:buNone/>
-            </a:pPr>
+              <a:t>Compare observed statistic with the distribution of simulated statistics</a:t>
+            </a:r>
+          </a:p>
+          <a:p>
             <a:endParaRPr lang="en-CA" dirty="0" smtClean="0">
               <a:latin typeface="+mn-lt"/>
             </a:endParaRPr>
@@ -8089,7 +9572,7 @@
               <a:rPr lang="en-CA" dirty="0" smtClean="0">
                 <a:latin typeface="+mn-lt"/>
               </a:rPr>
-              <a:t>Probability Questions</a:t>
+              <a:t>Null Hypothesis</a:t>
             </a:r>
             <a:endParaRPr lang="en-CA" dirty="0">
               <a:latin typeface="+mn-lt"/>
@@ -8110,86 +9593,81 @@
         <p:spPr>
           <a:xfrm>
             <a:off x="457200" y="1756947"/>
-            <a:ext cx="8286750" cy="3967578"/>
+            <a:ext cx="8286750" cy="3881853"/>
           </a:xfrm>
         </p:spPr>
         <p:txBody>
           <a:bodyPr>
-            <a:normAutofit/>
+            <a:normAutofit lnSpcReduction="10000"/>
           </a:bodyPr>
           <a:lstStyle/>
           <a:p>
-            <a:pPr marL="0" indent="0">
-              <a:buNone/>
-            </a:pPr>
             <a:r>
               <a:rPr lang="en-CA" dirty="0" smtClean="0">
                 <a:latin typeface="+mn-lt"/>
               </a:rPr>
-              <a:t>A standard deck of cards is 52 cards, 13 of each suite. None of the questions depend on the previous question. All draws are without replacement. Keep all solutions as fractions!!</a:t>
-            </a:r>
-          </a:p>
-          <a:p>
-            <a:pPr marL="0" indent="0">
-              <a:buNone/>
-            </a:pPr>
-            <a:endParaRPr lang="en-CA" dirty="0" smtClean="0">
-              <a:latin typeface="+mn-lt"/>
-            </a:endParaRPr>
-          </a:p>
-          <a:p>
-            <a:pPr marL="457200" indent="-457200">
-              <a:buAutoNum type="arabicPeriod"/>
-            </a:pPr>
+              <a:t>Goal is to prove a model </a:t>
+            </a:r>
+            <a:r>
+              <a:rPr lang="en-CA" b="1" dirty="0" smtClean="0">
+                <a:latin typeface="+mn-lt"/>
+              </a:rPr>
+              <a:t>does not </a:t>
+            </a:r>
             <a:r>
               <a:rPr lang="en-CA" dirty="0" smtClean="0">
                 <a:latin typeface="+mn-lt"/>
               </a:rPr>
-              <a:t>What is the probability of drawing an ace?</a:t>
-            </a:r>
-          </a:p>
-          <a:p>
-            <a:pPr marL="457200" indent="-457200">
-              <a:buAutoNum type="arabicPeriod"/>
-            </a:pPr>
+              <a:t>fit the observed data</a:t>
+            </a:r>
+          </a:p>
+          <a:p>
             <a:r>
               <a:rPr lang="en-CA" dirty="0" smtClean="0">
                 <a:latin typeface="+mn-lt"/>
               </a:rPr>
-              <a:t>What is the probability of drawing two queens in a row? </a:t>
-            </a:r>
-          </a:p>
-          <a:p>
-            <a:pPr marL="457200" indent="-457200">
-              <a:buAutoNum type="arabicPeriod"/>
-            </a:pPr>
+              <a:t>We call this model we are trying to disprove the </a:t>
+            </a:r>
+            <a:r>
+              <a:rPr lang="en-CA" b="1" dirty="0" smtClean="0">
+                <a:latin typeface="+mn-lt"/>
+              </a:rPr>
+              <a:t>null hypothesis</a:t>
+            </a:r>
+          </a:p>
+          <a:p>
             <a:r>
               <a:rPr lang="en-CA" dirty="0" smtClean="0">
                 <a:latin typeface="+mn-lt"/>
               </a:rPr>
-              <a:t>What is the probability of getting both a king and a queen after two draws?</a:t>
-            </a:r>
-          </a:p>
-          <a:p>
-            <a:pPr marL="457200" indent="-457200">
-              <a:buAutoNum type="arabicPeriod"/>
-            </a:pPr>
+              <a:t>The null hypothesis typically says some observed value was due to random chance alone</a:t>
+            </a:r>
+          </a:p>
+          <a:p>
             <a:r>
               <a:rPr lang="en-CA" dirty="0" smtClean="0">
                 <a:latin typeface="+mn-lt"/>
               </a:rPr>
-              <a:t>What is the probability of getting at least one ace when dealt 5 cards?</a:t>
-            </a:r>
-            <a:endParaRPr lang="en-CA" dirty="0" smtClean="0">
+              <a:t>Example: Jury panel selected at random; the observed number of black males on the panel was due to random chance alone</a:t>
+            </a:r>
+            <a:endParaRPr lang="en-CA" dirty="0">
               <a:latin typeface="+mn-lt"/>
             </a:endParaRPr>
+          </a:p>
+          <a:p>
+            <a:r>
+              <a:rPr lang="en-CA" dirty="0" smtClean="0">
+                <a:latin typeface="+mn-lt"/>
+              </a:rPr>
+              <a:t>By disproving the null hypothesis, we demonstrate that there is something other than random chance affecting what we observe</a:t>
+            </a:r>
           </a:p>
         </p:txBody>
       </p:sp>
     </p:spTree>
     <p:extLst>
       <p:ext uri="{BB962C8B-B14F-4D97-AF65-F5344CB8AC3E}">
-        <p14:creationId xmlns:p14="http://schemas.microsoft.com/office/powerpoint/2010/main" val="1305609426"/>
+        <p14:creationId xmlns:p14="http://schemas.microsoft.com/office/powerpoint/2010/main" val="3776140521"/>
       </p:ext>
     </p:extLst>
   </p:cSld>
@@ -8247,7 +9725,7 @@
               <a:rPr lang="en-CA" dirty="0" smtClean="0">
                 <a:latin typeface="+mn-lt"/>
               </a:rPr>
-              <a:t>Probability Questions: Solutions</a:t>
+              <a:t>Alternative Hypothesis</a:t>
             </a:r>
             <a:endParaRPr lang="en-CA" dirty="0">
               <a:latin typeface="+mn-lt"/>
@@ -8268,7 +9746,7 @@
         <p:spPr>
           <a:xfrm>
             <a:off x="457200" y="1756947"/>
-            <a:ext cx="8286750" cy="3596103"/>
+            <a:ext cx="8286750" cy="3881853"/>
           </a:xfrm>
         </p:spPr>
         <p:txBody>
@@ -8277,112 +9755,45 @@
           </a:bodyPr>
           <a:lstStyle/>
           <a:p>
-            <a:pPr marL="457200" indent="-457200">
-              <a:buAutoNum type="arabicPeriod"/>
-            </a:pPr>
-            <a:r>
-              <a:rPr lang="en-CA" sz="2000" dirty="0" smtClean="0">
-                <a:latin typeface="+mn-lt"/>
-              </a:rPr>
-              <a:t>What is the probability of drawing an ace?</a:t>
-            </a:r>
-          </a:p>
-          <a:p>
-            <a:pPr marL="400050" lvl="1" indent="0">
-              <a:buNone/>
-            </a:pPr>
             <a:r>
               <a:rPr lang="en-CA" dirty="0" smtClean="0">
                 <a:latin typeface="+mn-lt"/>
               </a:rPr>
-              <a:t>4/52 = 1/13</a:t>
-            </a:r>
-          </a:p>
-          <a:p>
-            <a:pPr marL="457200" indent="-457200">
-              <a:buAutoNum type="arabicPeriod"/>
-            </a:pPr>
-            <a:r>
-              <a:rPr lang="en-CA" sz="2000" dirty="0" smtClean="0">
-                <a:latin typeface="+mn-lt"/>
-              </a:rPr>
-              <a:t>What is the probability of drawing two queens in a row? </a:t>
-            </a:r>
-          </a:p>
-          <a:p>
-            <a:pPr marL="400050" lvl="1" indent="0">
-              <a:buNone/>
-            </a:pPr>
+              <a:t>An alternative model for the data</a:t>
+            </a:r>
+          </a:p>
+          <a:p>
             <a:r>
               <a:rPr lang="en-CA" dirty="0" smtClean="0">
                 <a:latin typeface="+mn-lt"/>
               </a:rPr>
-              <a:t>Multiplicative Rule: 4/52 x 3/51</a:t>
-            </a:r>
-          </a:p>
-          <a:p>
-            <a:pPr marL="457200" indent="-457200">
-              <a:buAutoNum type="arabicPeriod"/>
-            </a:pPr>
-            <a:r>
-              <a:rPr lang="en-CA" sz="2000" dirty="0" smtClean="0">
-                <a:latin typeface="+mn-lt"/>
-              </a:rPr>
-              <a:t>What is the probability of getting both a king and a queen after two draws?</a:t>
-            </a:r>
-          </a:p>
-          <a:p>
-            <a:pPr marL="0" lvl="1" indent="0">
-              <a:buNone/>
-            </a:pPr>
+              <a:t>Example: Jury panel was not selected at random</a:t>
+            </a:r>
+          </a:p>
+          <a:p>
+            <a:pPr lvl="1"/>
             <a:r>
               <a:rPr lang="en-CA" dirty="0" smtClean="0">
                 <a:latin typeface="+mn-lt"/>
               </a:rPr>
-              <a:t>	Additive </a:t>
-            </a:r>
-            <a:r>
-              <a:rPr lang="en-CA" dirty="0">
-                <a:latin typeface="+mn-lt"/>
-              </a:rPr>
-              <a:t>Rule: 4/52 x 4/51 + 4/52 x </a:t>
-            </a:r>
+              <a:t>Both high and low number of Black jurors relative to the population would have supported this alternative hypothesis</a:t>
+            </a:r>
+          </a:p>
+          <a:p>
             <a:r>
               <a:rPr lang="en-CA" dirty="0" smtClean="0">
                 <a:latin typeface="+mn-lt"/>
               </a:rPr>
-              <a:t>4/51</a:t>
-            </a:r>
-            <a:endParaRPr lang="en-CA" dirty="0" smtClean="0">
-              <a:latin typeface="+mn-lt"/>
-            </a:endParaRPr>
-          </a:p>
-          <a:p>
-            <a:pPr marL="457200" indent="-457200">
-              <a:buAutoNum type="arabicPeriod"/>
-            </a:pPr>
-            <a:r>
-              <a:rPr lang="en-CA" sz="2000" dirty="0" smtClean="0">
-                <a:latin typeface="+mn-lt"/>
-              </a:rPr>
-              <a:t>What </a:t>
-            </a:r>
-            <a:r>
-              <a:rPr lang="en-CA" sz="2000" dirty="0">
-                <a:latin typeface="+mn-lt"/>
-              </a:rPr>
-              <a:t>is the probability of getting at least one ace when dealt 5 cards?</a:t>
-            </a:r>
-          </a:p>
-          <a:p>
-            <a:pPr marL="400050" lvl="1" indent="0">
-              <a:buNone/>
-            </a:pPr>
+              <a:t>Example: Jury panel was biased against Black jurors</a:t>
+            </a:r>
+          </a:p>
+          <a:p>
+            <a:pPr lvl="1"/>
             <a:r>
               <a:rPr lang="en-CA" dirty="0" smtClean="0">
                 <a:latin typeface="+mn-lt"/>
               </a:rPr>
-              <a:t>1- P(No Aces) = 1-(48/52 x 47/51 x 46/50 x 45/49 x 44/48)</a:t>
+              <a:t>Only low number of Black jurors relative to the population would have supported this alternative hypothesis </a:t>
             </a:r>
           </a:p>
         </p:txBody>
@@ -8390,7 +9801,7 @@
     </p:spTree>
     <p:extLst>
       <p:ext uri="{BB962C8B-B14F-4D97-AF65-F5344CB8AC3E}">
-        <p14:creationId xmlns:p14="http://schemas.microsoft.com/office/powerpoint/2010/main" val="1596718611"/>
+        <p14:creationId xmlns:p14="http://schemas.microsoft.com/office/powerpoint/2010/main" val="703768552"/>
       </p:ext>
     </p:extLst>
   </p:cSld>
@@ -8400,458 +9811,9 @@
   <p:timing>
     <p:tnLst>
       <p:par>
-        <p:cTn id="1" dur="indefinite" restart="never" nodeType="tmRoot">
-          <p:childTnLst>
-            <p:seq concurrent="1" nextAc="seek">
-              <p:cTn id="2" dur="indefinite" nodeType="mainSeq">
-                <p:childTnLst>
-                  <p:par>
-                    <p:cTn id="3" fill="hold">
-                      <p:stCondLst>
-                        <p:cond delay="indefinite"/>
-                      </p:stCondLst>
-                      <p:childTnLst>
-                        <p:par>
-                          <p:cTn id="4" fill="hold">
-                            <p:stCondLst>
-                              <p:cond delay="0"/>
-                            </p:stCondLst>
-                            <p:childTnLst>
-                              <p:par>
-                                <p:cTn id="5" presetID="1" presetClass="entr" presetSubtype="0" fill="hold" nodeType="clickEffect">
-                                  <p:stCondLst>
-                                    <p:cond delay="0"/>
-                                  </p:stCondLst>
-                                  <p:childTnLst>
-                                    <p:set>
-                                      <p:cBhvr>
-                                        <p:cTn id="6" dur="1" fill="hold">
-                                          <p:stCondLst>
-                                            <p:cond delay="0"/>
-                                          </p:stCondLst>
-                                        </p:cTn>
-                                        <p:tgtEl>
-                                          <p:spTgt spid="3">
-                                            <p:txEl>
-                                              <p:pRg st="0" end="0"/>
-                                            </p:txEl>
-                                          </p:spTgt>
-                                        </p:tgtEl>
-                                        <p:attrNameLst>
-                                          <p:attrName>style.visibility</p:attrName>
-                                        </p:attrNameLst>
-                                      </p:cBhvr>
-                                      <p:to>
-                                        <p:strVal val="visible"/>
-                                      </p:to>
-                                    </p:set>
-                                  </p:childTnLst>
-                                </p:cTn>
-                              </p:par>
-                            </p:childTnLst>
-                          </p:cTn>
-                        </p:par>
-                      </p:childTnLst>
-                    </p:cTn>
-                  </p:par>
-                  <p:par>
-                    <p:cTn id="7" fill="hold">
-                      <p:stCondLst>
-                        <p:cond delay="indefinite"/>
-                      </p:stCondLst>
-                      <p:childTnLst>
-                        <p:par>
-                          <p:cTn id="8" fill="hold">
-                            <p:stCondLst>
-                              <p:cond delay="0"/>
-                            </p:stCondLst>
-                            <p:childTnLst>
-                              <p:par>
-                                <p:cTn id="9" presetID="1" presetClass="entr" presetSubtype="0" fill="hold" grpId="0" nodeType="clickEffect">
-                                  <p:stCondLst>
-                                    <p:cond delay="0"/>
-                                  </p:stCondLst>
-                                  <p:childTnLst>
-                                    <p:set>
-                                      <p:cBhvr>
-                                        <p:cTn id="10" dur="1" fill="hold">
-                                          <p:stCondLst>
-                                            <p:cond delay="0"/>
-                                          </p:stCondLst>
-                                        </p:cTn>
-                                        <p:tgtEl>
-                                          <p:spTgt spid="3">
-                                            <p:txEl>
-                                              <p:pRg st="0" end="0"/>
-                                            </p:txEl>
-                                          </p:spTgt>
-                                        </p:tgtEl>
-                                        <p:attrNameLst>
-                                          <p:attrName>style.visibility</p:attrName>
-                                        </p:attrNameLst>
-                                      </p:cBhvr>
-                                      <p:to>
-                                        <p:strVal val="visible"/>
-                                      </p:to>
-                                    </p:set>
-                                  </p:childTnLst>
-                                </p:cTn>
-                              </p:par>
-                              <p:par>
-                                <p:cTn id="11" presetID="1" presetClass="entr" presetSubtype="0" fill="hold" grpId="0" nodeType="withEffect">
-                                  <p:stCondLst>
-                                    <p:cond delay="0"/>
-                                  </p:stCondLst>
-                                  <p:childTnLst>
-                                    <p:set>
-                                      <p:cBhvr>
-                                        <p:cTn id="12" dur="1" fill="hold">
-                                          <p:stCondLst>
-                                            <p:cond delay="0"/>
-                                          </p:stCondLst>
-                                        </p:cTn>
-                                        <p:tgtEl>
-                                          <p:spTgt spid="3">
-                                            <p:txEl>
-                                              <p:pRg st="1" end="1"/>
-                                            </p:txEl>
-                                          </p:spTgt>
-                                        </p:tgtEl>
-                                        <p:attrNameLst>
-                                          <p:attrName>style.visibility</p:attrName>
-                                        </p:attrNameLst>
-                                      </p:cBhvr>
-                                      <p:to>
-                                        <p:strVal val="visible"/>
-                                      </p:to>
-                                    </p:set>
-                                  </p:childTnLst>
-                                </p:cTn>
-                              </p:par>
-                            </p:childTnLst>
-                          </p:cTn>
-                        </p:par>
-                      </p:childTnLst>
-                    </p:cTn>
-                  </p:par>
-                  <p:par>
-                    <p:cTn id="13" fill="hold">
-                      <p:stCondLst>
-                        <p:cond delay="indefinite"/>
-                      </p:stCondLst>
-                      <p:childTnLst>
-                        <p:par>
-                          <p:cTn id="14" fill="hold">
-                            <p:stCondLst>
-                              <p:cond delay="0"/>
-                            </p:stCondLst>
-                            <p:childTnLst>
-                              <p:par>
-                                <p:cTn id="15" presetID="1" presetClass="entr" presetSubtype="0" fill="hold" nodeType="clickEffect">
-                                  <p:stCondLst>
-                                    <p:cond delay="0"/>
-                                  </p:stCondLst>
-                                  <p:childTnLst>
-                                    <p:set>
-                                      <p:cBhvr>
-                                        <p:cTn id="16" dur="1" fill="hold">
-                                          <p:stCondLst>
-                                            <p:cond delay="0"/>
-                                          </p:stCondLst>
-                                        </p:cTn>
-                                        <p:tgtEl>
-                                          <p:spTgt spid="3">
-                                            <p:txEl>
-                                              <p:pRg st="2" end="2"/>
-                                            </p:txEl>
-                                          </p:spTgt>
-                                        </p:tgtEl>
-                                        <p:attrNameLst>
-                                          <p:attrName>style.visibility</p:attrName>
-                                        </p:attrNameLst>
-                                      </p:cBhvr>
-                                      <p:to>
-                                        <p:strVal val="visible"/>
-                                      </p:to>
-                                    </p:set>
-                                  </p:childTnLst>
-                                </p:cTn>
-                              </p:par>
-                            </p:childTnLst>
-                          </p:cTn>
-                        </p:par>
-                      </p:childTnLst>
-                    </p:cTn>
-                  </p:par>
-                  <p:par>
-                    <p:cTn id="17" fill="hold">
-                      <p:stCondLst>
-                        <p:cond delay="indefinite"/>
-                      </p:stCondLst>
-                      <p:childTnLst>
-                        <p:par>
-                          <p:cTn id="18" fill="hold">
-                            <p:stCondLst>
-                              <p:cond delay="0"/>
-                            </p:stCondLst>
-                            <p:childTnLst>
-                              <p:par>
-                                <p:cTn id="19" presetID="1" presetClass="entr" presetSubtype="0" fill="hold" nodeType="clickEffect">
-                                  <p:stCondLst>
-                                    <p:cond delay="0"/>
-                                  </p:stCondLst>
-                                  <p:childTnLst>
-                                    <p:set>
-                                      <p:cBhvr>
-                                        <p:cTn id="20" dur="1" fill="hold">
-                                          <p:stCondLst>
-                                            <p:cond delay="0"/>
-                                          </p:stCondLst>
-                                        </p:cTn>
-                                        <p:tgtEl>
-                                          <p:spTgt spid="3">
-                                            <p:txEl>
-                                              <p:pRg st="3" end="3"/>
-                                            </p:txEl>
-                                          </p:spTgt>
-                                        </p:tgtEl>
-                                        <p:attrNameLst>
-                                          <p:attrName>style.visibility</p:attrName>
-                                        </p:attrNameLst>
-                                      </p:cBhvr>
-                                      <p:to>
-                                        <p:strVal val="visible"/>
-                                      </p:to>
-                                    </p:set>
-                                  </p:childTnLst>
-                                </p:cTn>
-                              </p:par>
-                            </p:childTnLst>
-                          </p:cTn>
-                        </p:par>
-                      </p:childTnLst>
-                    </p:cTn>
-                  </p:par>
-                  <p:par>
-                    <p:cTn id="21" fill="hold">
-                      <p:stCondLst>
-                        <p:cond delay="indefinite"/>
-                      </p:stCondLst>
-                      <p:childTnLst>
-                        <p:par>
-                          <p:cTn id="22" fill="hold">
-                            <p:stCondLst>
-                              <p:cond delay="0"/>
-                            </p:stCondLst>
-                            <p:childTnLst>
-                              <p:par>
-                                <p:cTn id="23" presetID="1" presetClass="entr" presetSubtype="0" fill="hold" nodeType="clickEffect">
-                                  <p:stCondLst>
-                                    <p:cond delay="0"/>
-                                  </p:stCondLst>
-                                  <p:childTnLst>
-                                    <p:set>
-                                      <p:cBhvr>
-                                        <p:cTn id="24" dur="1" fill="hold">
-                                          <p:stCondLst>
-                                            <p:cond delay="0"/>
-                                          </p:stCondLst>
-                                        </p:cTn>
-                                        <p:tgtEl>
-                                          <p:spTgt spid="3">
-                                            <p:txEl>
-                                              <p:pRg st="4" end="4"/>
-                                            </p:txEl>
-                                          </p:spTgt>
-                                        </p:tgtEl>
-                                        <p:attrNameLst>
-                                          <p:attrName>style.visibility</p:attrName>
-                                        </p:attrNameLst>
-                                      </p:cBhvr>
-                                      <p:to>
-                                        <p:strVal val="visible"/>
-                                      </p:to>
-                                    </p:set>
-                                  </p:childTnLst>
-                                </p:cTn>
-                              </p:par>
-                            </p:childTnLst>
-                          </p:cTn>
-                        </p:par>
-                      </p:childTnLst>
-                    </p:cTn>
-                  </p:par>
-                  <p:par>
-                    <p:cTn id="25" fill="hold">
-                      <p:stCondLst>
-                        <p:cond delay="indefinite"/>
-                      </p:stCondLst>
-                      <p:childTnLst>
-                        <p:par>
-                          <p:cTn id="26" fill="hold">
-                            <p:stCondLst>
-                              <p:cond delay="0"/>
-                            </p:stCondLst>
-                            <p:childTnLst>
-                              <p:par>
-                                <p:cTn id="27" presetID="1" presetClass="entr" presetSubtype="0" fill="hold" nodeType="clickEffect">
-                                  <p:stCondLst>
-                                    <p:cond delay="0"/>
-                                  </p:stCondLst>
-                                  <p:childTnLst>
-                                    <p:set>
-                                      <p:cBhvr>
-                                        <p:cTn id="28" dur="1" fill="hold">
-                                          <p:stCondLst>
-                                            <p:cond delay="0"/>
-                                          </p:stCondLst>
-                                        </p:cTn>
-                                        <p:tgtEl>
-                                          <p:spTgt spid="3">
-                                            <p:txEl>
-                                              <p:pRg st="5" end="5"/>
-                                            </p:txEl>
-                                          </p:spTgt>
-                                        </p:tgtEl>
-                                        <p:attrNameLst>
-                                          <p:attrName>style.visibility</p:attrName>
-                                        </p:attrNameLst>
-                                      </p:cBhvr>
-                                      <p:to>
-                                        <p:strVal val="visible"/>
-                                      </p:to>
-                                    </p:set>
-                                  </p:childTnLst>
-                                </p:cTn>
-                              </p:par>
-                            </p:childTnLst>
-                          </p:cTn>
-                        </p:par>
-                      </p:childTnLst>
-                    </p:cTn>
-                  </p:par>
-                  <p:par>
-                    <p:cTn id="29" fill="hold">
-                      <p:stCondLst>
-                        <p:cond delay="indefinite"/>
-                      </p:stCondLst>
-                      <p:childTnLst>
-                        <p:par>
-                          <p:cTn id="30" fill="hold">
-                            <p:stCondLst>
-                              <p:cond delay="0"/>
-                            </p:stCondLst>
-                            <p:childTnLst>
-                              <p:par>
-                                <p:cTn id="31" presetID="1" presetClass="entr" presetSubtype="0" fill="hold" nodeType="clickEffect">
-                                  <p:stCondLst>
-                                    <p:cond delay="0"/>
-                                  </p:stCondLst>
-                                  <p:childTnLst>
-                                    <p:set>
-                                      <p:cBhvr>
-                                        <p:cTn id="32" dur="1" fill="hold">
-                                          <p:stCondLst>
-                                            <p:cond delay="0"/>
-                                          </p:stCondLst>
-                                        </p:cTn>
-                                        <p:tgtEl>
-                                          <p:spTgt spid="3">
-                                            <p:txEl>
-                                              <p:pRg st="6" end="6"/>
-                                            </p:txEl>
-                                          </p:spTgt>
-                                        </p:tgtEl>
-                                        <p:attrNameLst>
-                                          <p:attrName>style.visibility</p:attrName>
-                                        </p:attrNameLst>
-                                      </p:cBhvr>
-                                      <p:to>
-                                        <p:strVal val="visible"/>
-                                      </p:to>
-                                    </p:set>
-                                  </p:childTnLst>
-                                </p:cTn>
-                              </p:par>
-                            </p:childTnLst>
-                          </p:cTn>
-                        </p:par>
-                      </p:childTnLst>
-                    </p:cTn>
-                  </p:par>
-                  <p:par>
-                    <p:cTn id="33" fill="hold">
-                      <p:stCondLst>
-                        <p:cond delay="indefinite"/>
-                      </p:stCondLst>
-                      <p:childTnLst>
-                        <p:par>
-                          <p:cTn id="34" fill="hold">
-                            <p:stCondLst>
-                              <p:cond delay="0"/>
-                            </p:stCondLst>
-                            <p:childTnLst>
-                              <p:par>
-                                <p:cTn id="35" presetID="1" presetClass="entr" presetSubtype="0" fill="hold" nodeType="clickEffect">
-                                  <p:stCondLst>
-                                    <p:cond delay="0"/>
-                                  </p:stCondLst>
-                                  <p:childTnLst>
-                                    <p:set>
-                                      <p:cBhvr>
-                                        <p:cTn id="36" dur="1" fill="hold">
-                                          <p:stCondLst>
-                                            <p:cond delay="0"/>
-                                          </p:stCondLst>
-                                        </p:cTn>
-                                        <p:tgtEl>
-                                          <p:spTgt spid="3">
-                                            <p:txEl>
-                                              <p:pRg st="7" end="7"/>
-                                            </p:txEl>
-                                          </p:spTgt>
-                                        </p:tgtEl>
-                                        <p:attrNameLst>
-                                          <p:attrName>style.visibility</p:attrName>
-                                        </p:attrNameLst>
-                                      </p:cBhvr>
-                                      <p:to>
-                                        <p:strVal val="visible"/>
-                                      </p:to>
-                                    </p:set>
-                                  </p:childTnLst>
-                                </p:cTn>
-                              </p:par>
-                            </p:childTnLst>
-                          </p:cTn>
-                        </p:par>
-                      </p:childTnLst>
-                    </p:cTn>
-                  </p:par>
-                </p:childTnLst>
-              </p:cTn>
-              <p:prevCondLst>
-                <p:cond evt="onPrev" delay="0">
-                  <p:tgtEl>
-                    <p:sldTgt/>
-                  </p:tgtEl>
-                </p:cond>
-              </p:prevCondLst>
-              <p:nextCondLst>
-                <p:cond evt="onNext" delay="0">
-                  <p:tgtEl>
-                    <p:sldTgt/>
-                  </p:tgtEl>
-                </p:cond>
-              </p:nextCondLst>
-            </p:seq>
-          </p:childTnLst>
-        </p:cTn>
+        <p:cTn id="1" dur="indefinite" restart="never" nodeType="tmRoot"/>
       </p:par>
     </p:tnLst>
-    <p:bldLst>
-      <p:bldP spid="3" grpId="0" uiExpand="1" build="p"/>
-    </p:bldLst>
   </p:timing>
 </p:sld>
 </file>
@@ -8897,7 +9859,7 @@
               <a:rPr lang="en-CA" dirty="0" smtClean="0">
                 <a:latin typeface="+mn-lt"/>
               </a:rPr>
-              <a:t>Sampling</a:t>
+              <a:t>Test Statistic</a:t>
             </a:r>
             <a:endParaRPr lang="en-CA" dirty="0">
               <a:latin typeface="+mn-lt"/>
@@ -8918,7 +9880,7 @@
         <p:spPr>
           <a:xfrm>
             <a:off x="457200" y="1756947"/>
-            <a:ext cx="8286750" cy="3967578"/>
+            <a:ext cx="8286750" cy="3881853"/>
           </a:xfrm>
         </p:spPr>
         <p:txBody>
@@ -8931,7 +9893,7 @@
               <a:rPr lang="en-CA" dirty="0" smtClean="0">
                 <a:latin typeface="+mn-lt"/>
               </a:rPr>
-              <a:t>Random sample: Know the probability every individual in the population is in the sample (doesn’t have to be equal)</a:t>
+              <a:t>Measures the discrepancy between a model and the data</a:t>
             </a:r>
           </a:p>
           <a:p>
@@ -8939,48 +9901,96 @@
               <a:rPr lang="en-CA" dirty="0" smtClean="0">
                 <a:latin typeface="+mn-lt"/>
               </a:rPr>
-              <a:t>Empirical Distribution: Based on observed values, i.e., from a simulated experiment</a:t>
-            </a:r>
-          </a:p>
-          <a:p>
+              <a:t>Depends on the Alternative Hypothesis:</a:t>
+            </a:r>
+          </a:p>
+          <a:p>
+            <a:r>
+              <a:rPr lang="en-CA" dirty="0">
+                <a:latin typeface="+mn-lt"/>
+              </a:rPr>
+              <a:t>Example: </a:t>
+            </a:r>
             <a:r>
               <a:rPr lang="en-CA" dirty="0" smtClean="0">
                 <a:latin typeface="+mn-lt"/>
               </a:rPr>
-              <a:t>Probability Distribution: Based on theoretical calculations</a:t>
-            </a:r>
-            <a:endParaRPr lang="en-CA" dirty="0" smtClean="0">
-              <a:latin typeface="+mn-lt"/>
-            </a:endParaRPr>
-          </a:p>
-          <a:p>
+              <a:t>(AH) Jury </a:t>
+            </a:r>
+            <a:r>
+              <a:rPr lang="en-CA" dirty="0">
+                <a:latin typeface="+mn-lt"/>
+              </a:rPr>
+              <a:t>panel was not selected at random</a:t>
+            </a:r>
+          </a:p>
+          <a:p>
+            <a:pPr lvl="1"/>
             <a:r>
               <a:rPr lang="en-CA" dirty="0" smtClean="0">
                 <a:latin typeface="+mn-lt"/>
               </a:rPr>
-              <a:t>Law of Large Numbers: Repeating an experiment a large number of times will cause the empirical probability of an event to approach its theoretical probability </a:t>
-            </a:r>
-          </a:p>
-          <a:p>
-            <a:pPr lvl="1"/>
+              <a:t>| % eligible Black jurors in population - % Black jurors on panel |</a:t>
+            </a:r>
+            <a:endParaRPr lang="en-CA" dirty="0">
+              <a:latin typeface="+mn-lt"/>
+            </a:endParaRPr>
+          </a:p>
+          <a:p>
+            <a:r>
+              <a:rPr lang="en-CA" dirty="0">
+                <a:latin typeface="+mn-lt"/>
+              </a:rPr>
+              <a:t>Example: </a:t>
+            </a:r>
             <a:r>
               <a:rPr lang="en-CA" dirty="0" smtClean="0">
                 <a:latin typeface="+mn-lt"/>
               </a:rPr>
-              <a:t>Example: The more times you flip a coin, the closer the proportion of heads gets to 0.5 (usually)</a:t>
-            </a:r>
-          </a:p>
-          <a:p>
-            <a:endParaRPr lang="en-CA" dirty="0" smtClean="0">
+              <a:t>(AH) Jury </a:t>
+            </a:r>
+            <a:r>
+              <a:rPr lang="en-CA" dirty="0">
+                <a:latin typeface="+mn-lt"/>
+              </a:rPr>
+              <a:t>panel was biased against Black jurors</a:t>
+            </a:r>
+          </a:p>
+          <a:p>
+            <a:pPr lvl="1"/>
+            <a:r>
+              <a:rPr lang="en-CA" dirty="0" smtClean="0">
+                <a:latin typeface="+mn-lt"/>
+              </a:rPr>
+              <a:t>% Black jurors on panel</a:t>
+            </a:r>
+            <a:endParaRPr lang="en-CA" dirty="0">
               <a:latin typeface="+mn-lt"/>
             </a:endParaRPr>
+          </a:p>
+          <a:p>
+            <a:r>
+              <a:rPr lang="en-CA" dirty="0" smtClean="0">
+                <a:latin typeface="+mn-lt"/>
+              </a:rPr>
+              <a:t>Ask: What values of the statistic will support the alternative?</a:t>
+            </a:r>
+          </a:p>
+          <a:p>
+            <a:pPr lvl="1"/>
+            <a:r>
+              <a:rPr lang="en-CA" dirty="0" smtClean="0">
+                <a:latin typeface="+mn-lt"/>
+              </a:rPr>
+              <a:t>Ideally should be in just statistics in one direction</a:t>
+            </a:r>
           </a:p>
         </p:txBody>
       </p:sp>
     </p:spTree>
     <p:extLst>
       <p:ext uri="{BB962C8B-B14F-4D97-AF65-F5344CB8AC3E}">
-        <p14:creationId xmlns:p14="http://schemas.microsoft.com/office/powerpoint/2010/main" val="3099496952"/>
+        <p14:creationId xmlns:p14="http://schemas.microsoft.com/office/powerpoint/2010/main" val="2416965043"/>
       </p:ext>
     </p:extLst>
   </p:cSld>
@@ -9038,7 +10048,7 @@
               <a:rPr lang="en-CA" dirty="0" smtClean="0">
                 <a:latin typeface="+mn-lt"/>
               </a:rPr>
-              <a:t>Inference</a:t>
+              <a:t>Multiple Categories </a:t>
             </a:r>
             <a:endParaRPr lang="en-CA" dirty="0">
               <a:latin typeface="+mn-lt"/>
@@ -9059,20 +10069,18 @@
         <p:spPr>
           <a:xfrm>
             <a:off x="457200" y="1756947"/>
-            <a:ext cx="8286750" cy="3967578"/>
+            <a:ext cx="8286750" cy="3596103"/>
           </a:xfrm>
         </p:spPr>
         <p:txBody>
-          <a:bodyPr>
-            <a:normAutofit/>
-          </a:bodyPr>
+          <a:bodyPr/>
           <a:lstStyle/>
           <a:p>
             <a:r>
               <a:rPr lang="en-CA" dirty="0" smtClean="0">
                 <a:latin typeface="+mn-lt"/>
               </a:rPr>
-              <a:t>Extrapolate information about a sample to make conclusions for the population</a:t>
+              <a:t>To assess models about multiple categories</a:t>
             </a:r>
           </a:p>
           <a:p>
@@ -9080,24 +10088,21 @@
               <a:rPr lang="en-CA" dirty="0" smtClean="0">
                 <a:latin typeface="+mn-lt"/>
               </a:rPr>
-              <a:t>Population parameter: A metric associated with a population</a:t>
-            </a:r>
-          </a:p>
-          <a:p>
-            <a:r>
-              <a:rPr lang="en-CA" dirty="0">
-                <a:latin typeface="+mn-lt"/>
-              </a:rPr>
-              <a:t>Sample statistic: A metric associated with a sample</a:t>
-            </a:r>
-          </a:p>
-          <a:p>
-            <a:pPr lvl="1"/>
+              <a:t>Example: We want to look at the ethnic composition of jury panels for all groups instead of just one</a:t>
+            </a:r>
+          </a:p>
+          <a:p>
             <a:r>
               <a:rPr lang="en-CA" dirty="0" smtClean="0">
                 <a:latin typeface="+mn-lt"/>
               </a:rPr>
-              <a:t>The theoretical distribution of a statistic can be difficult to determine, so we often approximate it using its empirical distribution</a:t>
+              <a:t>New test statistic for multiple categories: </a:t>
+            </a:r>
+            <a:r>
+              <a:rPr lang="en-CA" b="1" dirty="0" smtClean="0">
+                <a:latin typeface="+mn-lt"/>
+              </a:rPr>
+              <a:t>Total Variation Distance</a:t>
             </a:r>
           </a:p>
           <a:p>
@@ -9106,18 +10111,33 @@
               <a:rPr lang="en-CA" dirty="0" smtClean="0">
                 <a:latin typeface="+mn-lt"/>
               </a:rPr>
-              <a:t>Good approximation if the number of samples is large</a:t>
-            </a:r>
-            <a:endParaRPr lang="en-CA" dirty="0" smtClean="0">
-              <a:latin typeface="+mn-lt"/>
-            </a:endParaRPr>
+              <a:t>Find differences between theoretical and empirical proportions for each category</a:t>
+            </a:r>
+          </a:p>
+          <a:p>
+            <a:pPr lvl="1"/>
+            <a:r>
+              <a:rPr lang="en-CA" dirty="0" smtClean="0">
+                <a:latin typeface="+mn-lt"/>
+              </a:rPr>
+              <a:t>Take the absolute value of each difference</a:t>
+            </a:r>
+          </a:p>
+          <a:p>
+            <a:pPr lvl="1"/>
+            <a:r>
+              <a:rPr lang="en-CA" dirty="0" smtClean="0">
+                <a:latin typeface="+mn-lt"/>
+              </a:rPr>
+              <a:t>Sum these absolute differences and divide by 2</a:t>
+            </a:r>
           </a:p>
         </p:txBody>
       </p:sp>
     </p:spTree>
     <p:extLst>
       <p:ext uri="{BB962C8B-B14F-4D97-AF65-F5344CB8AC3E}">
-        <p14:creationId xmlns:p14="http://schemas.microsoft.com/office/powerpoint/2010/main" val="3284096425"/>
+        <p14:creationId xmlns:p14="http://schemas.microsoft.com/office/powerpoint/2010/main" val="2253754578"/>
       </p:ext>
     </p:extLst>
   </p:cSld>
@@ -9175,7 +10195,7 @@
               <a:rPr lang="en-CA" dirty="0" smtClean="0">
                 <a:latin typeface="+mn-lt"/>
               </a:rPr>
-              <a:t>Announcements</a:t>
+              <a:t>TVD (cont’d)</a:t>
             </a:r>
             <a:endParaRPr lang="en-CA" dirty="0">
               <a:latin typeface="+mn-lt"/>
@@ -9183,36 +10203,76 @@
           </a:p>
         </p:txBody>
       </p:sp>
-      <p:sp>
-        <p:nvSpPr>
-          <p:cNvPr id="3" name="Content Placeholder 2"/>
-          <p:cNvSpPr>
-            <a:spLocks noGrp="1"/>
-          </p:cNvSpPr>
+      <p:pic>
+        <p:nvPicPr>
+          <p:cNvPr id="1026" name="Picture 2"/>
+          <p:cNvPicPr>
+            <a:picLocks noGrp="1" noChangeAspect="1" noChangeArrowheads="1"/>
+          </p:cNvPicPr>
           <p:nvPr>
             <p:ph idx="1"/>
           </p:nvPr>
-        </p:nvSpPr>
-        <p:spPr>
-          <a:xfrm>
-            <a:off x="457200" y="1756947"/>
-            <a:ext cx="8286750" cy="3596103"/>
-          </a:xfrm>
-        </p:spPr>
-        <p:txBody>
-          <a:bodyPr/>
-          <a:lstStyle/>
-          <a:p>
-            <a:endParaRPr lang="en-CA" dirty="0">
-              <a:latin typeface="+mn-lt"/>
-            </a:endParaRPr>
-          </a:p>
-        </p:txBody>
-      </p:sp>
+        </p:nvPicPr>
+        <p:blipFill>
+          <a:blip r:embed="rId2">
+            <a:extLst>
+              <a:ext uri="{28A0092B-C50C-407E-A947-70E740481C1C}">
+                <a14:useLocalDpi xmlns:a14="http://schemas.microsoft.com/office/drawing/2010/main" val="0"/>
+              </a:ext>
+            </a:extLst>
+          </a:blip>
+          <a:srcRect/>
+          <a:stretch>
+            <a:fillRect/>
+          </a:stretch>
+        </p:blipFill>
+        <p:spPr bwMode="auto">
+          <a:xfrm>
+            <a:off x="1304397" y="2088073"/>
+            <a:ext cx="6535206" cy="2681855"/>
+          </a:xfrm>
+          <a:prstGeom prst="rect">
+            <a:avLst/>
+          </a:prstGeom>
+          <a:noFill/>
+          <a:ln>
+            <a:noFill/>
+          </a:ln>
+          <a:effectLst/>
+          <a:extLst>
+            <a:ext uri="{909E8E84-426E-40DD-AFC4-6F175D3DCCD1}">
+              <a14:hiddenFill xmlns:a14="http://schemas.microsoft.com/office/drawing/2010/main">
+                <a:solidFill>
+                  <a:schemeClr val="accent1"/>
+                </a:solidFill>
+              </a14:hiddenFill>
+            </a:ext>
+            <a:ext uri="{91240B29-F687-4F45-9708-019B960494DF}">
+              <a14:hiddenLine xmlns:a14="http://schemas.microsoft.com/office/drawing/2010/main" w="9525">
+                <a:solidFill>
+                  <a:schemeClr val="tx1"/>
+                </a:solidFill>
+                <a:miter lim="800000"/>
+                <a:headEnd/>
+                <a:tailEnd/>
+              </a14:hiddenLine>
+            </a:ext>
+            <a:ext uri="{AF507438-7753-43E0-B8FC-AC1667EBCBE1}">
+              <a14:hiddenEffects xmlns:a14="http://schemas.microsoft.com/office/drawing/2010/main">
+                <a:effectLst>
+                  <a:outerShdw dist="35921" dir="2700000" algn="ctr" rotWithShape="0">
+                    <a:schemeClr val="bg2"/>
+                  </a:outerShdw>
+                </a:effectLst>
+              </a14:hiddenEffects>
+            </a:ext>
+          </a:extLst>
+        </p:spPr>
+      </p:pic>
     </p:spTree>
     <p:extLst>
       <p:ext uri="{BB962C8B-B14F-4D97-AF65-F5344CB8AC3E}">
-        <p14:creationId xmlns:p14="http://schemas.microsoft.com/office/powerpoint/2010/main" val="203414778"/>
+        <p14:creationId xmlns:p14="http://schemas.microsoft.com/office/powerpoint/2010/main" val="1713705548"/>
       </p:ext>
     </p:extLst>
   </p:cSld>
@@ -9270,7 +10330,7 @@
               <a:rPr lang="en-CA" dirty="0" smtClean="0">
                 <a:latin typeface="+mn-lt"/>
               </a:rPr>
-              <a:t>Lab Notebook</a:t>
+              <a:t>Simulation: Sample Proportions</a:t>
             </a:r>
             <a:endParaRPr lang="en-CA" dirty="0">
               <a:latin typeface="+mn-lt"/>
@@ -9298,14 +10358,58 @@
           <a:bodyPr/>
           <a:lstStyle/>
           <a:p>
-            <a:pPr marL="0" indent="0">
-              <a:buNone/>
-            </a:pPr>
-            <a:r>
-              <a:rPr lang="en-CA" smtClean="0">
-                <a:latin typeface="Avenir LT Std 45 Book" pitchFamily="34" charset="0"/>
+            <a:r>
+              <a:rPr lang="en-CA" dirty="0" smtClean="0">
+                <a:latin typeface="+mn-lt"/>
               </a:rPr>
-              <a:t>TBD</a:t>
+              <a:t>The </a:t>
+            </a:r>
+            <a:r>
+              <a:rPr lang="en-CA" dirty="0" err="1" smtClean="0">
+                <a:latin typeface="+mn-lt"/>
+              </a:rPr>
+              <a:t>sample_proportions</a:t>
+            </a:r>
+            <a:r>
+              <a:rPr lang="en-CA" dirty="0" smtClean="0">
+                <a:latin typeface="+mn-lt"/>
+              </a:rPr>
+              <a:t> function takes in two arguments:</a:t>
+            </a:r>
+          </a:p>
+          <a:p>
+            <a:pPr lvl="1"/>
+            <a:r>
+              <a:rPr lang="en-CA" dirty="0" smtClean="0">
+                <a:latin typeface="+mn-lt"/>
+              </a:rPr>
+              <a:t>Sample size</a:t>
+            </a:r>
+          </a:p>
+          <a:p>
+            <a:pPr lvl="1"/>
+            <a:r>
+              <a:rPr lang="en-CA" dirty="0" smtClean="0">
+                <a:latin typeface="+mn-lt"/>
+              </a:rPr>
+              <a:t>Theoretical probabilities of each category</a:t>
+            </a:r>
+          </a:p>
+          <a:p>
+            <a:r>
+              <a:rPr lang="en-CA" dirty="0" smtClean="0">
+                <a:latin typeface="+mn-lt"/>
+              </a:rPr>
+              <a:t>Returns array consisting of the empirical probabilities of each category</a:t>
+            </a:r>
+          </a:p>
+          <a:p>
+            <a:pPr lvl="1"/>
+            <a:r>
+              <a:rPr lang="en-CA" dirty="0" smtClean="0">
+                <a:latin typeface="+mn-lt"/>
+              </a:rPr>
+              <a:t>Simulates drawing a sample of specified size with replacement</a:t>
             </a:r>
           </a:p>
         </p:txBody>
@@ -9313,7 +10417,7 @@
     </p:spTree>
     <p:extLst>
       <p:ext uri="{BB962C8B-B14F-4D97-AF65-F5344CB8AC3E}">
-        <p14:creationId xmlns:p14="http://schemas.microsoft.com/office/powerpoint/2010/main" val="687167673"/>
+        <p14:creationId xmlns:p14="http://schemas.microsoft.com/office/powerpoint/2010/main" val="2119893615"/>
       </p:ext>
     </p:extLst>
   </p:cSld>

--- a/data8/slides/lab6.pptx
+++ b/data8/slides/lab6.pptx
@@ -215,7 +215,7 @@
           <a:p>
             <a:fld id="{97CB1905-1EEB-6545-B5E2-B70E8868255E}" type="datetimeFigureOut">
               <a:rPr lang="en-US" smtClean="0"/>
-              <a:t>9/2/2019</a:t>
+              <a:t>9/30/2019</a:t>
             </a:fld>
             <a:endParaRPr lang="en-US"/>
           </a:p>
@@ -381,7 +381,7 @@
           <a:p>
             <a:fld id="{5F53F6BF-7462-9046-A2B6-90C29244BD27}" type="datetimeFigureOut">
               <a:rPr lang="en-US" smtClean="0"/>
-              <a:t>9/2/2019</a:t>
+              <a:t>9/30/2019</a:t>
             </a:fld>
             <a:endParaRPr lang="en-US"/>
           </a:p>
@@ -694,16 +694,52 @@
           <a:bodyPr/>
           <a:lstStyle/>
           <a:p>
-            <a:pPr rtl="0" fontAlgn="base"/>
-            <a:endParaRPr lang="en-CA" sz="1200" b="1" i="0" u="none" strike="noStrike" kern="1200" dirty="0" smtClean="0">
-              <a:solidFill>
-                <a:schemeClr val="tx1"/>
-              </a:solidFill>
-              <a:effectLst/>
-              <a:latin typeface="+mn-lt"/>
-              <a:ea typeface="+mn-ea"/>
-              <a:cs typeface="+mn-cs"/>
-            </a:endParaRPr>
+            <a:r>
+              <a:rPr lang="en-CA" dirty="0" smtClean="0"/>
+              <a:t>Notes for Lab 6 Worksheet</a:t>
+            </a:r>
+          </a:p>
+          <a:p>
+            <a:endParaRPr lang="en-CA" dirty="0" smtClean="0"/>
+          </a:p>
+          <a:p>
+            <a:r>
+              <a:rPr lang="en-CA" dirty="0" smtClean="0"/>
+              <a:t>- Why hypothesis testing? Motivate before starting the worksheet</a:t>
+            </a:r>
+          </a:p>
+          <a:p>
+            <a:r>
+              <a:rPr lang="en-CA" dirty="0" smtClean="0"/>
+              <a:t>- </a:t>
+            </a:r>
+            <a:r>
+              <a:rPr lang="en-CA" dirty="0" err="1" smtClean="0"/>
+              <a:t>sample_proportions</a:t>
+            </a:r>
+            <a:r>
+              <a:rPr lang="en-CA" dirty="0" smtClean="0"/>
+              <a:t> is tricky: talk about theoretical/empirical distribution, how they have to sum to 1</a:t>
+            </a:r>
+          </a:p>
+          <a:p>
+            <a:r>
+              <a:rPr lang="en-CA" dirty="0" smtClean="0"/>
+              <a:t>- Avoid jargon: no null hypotheses, no p-value, etc.</a:t>
+            </a:r>
+          </a:p>
+          <a:p>
+            <a:r>
+              <a:rPr lang="en-CA" dirty="0" smtClean="0"/>
+              <a:t>- Focus that null hypothesis is something clearly defined</a:t>
+            </a:r>
+          </a:p>
+          <a:p>
+            <a:r>
+              <a:rPr lang="en-CA" dirty="0" smtClean="0"/>
+              <a:t>- Alternative comes from the observed value -&gt; that's why it's one-sided and not a two-sided test</a:t>
+            </a:r>
+            <a:endParaRPr lang="en-CA" dirty="0"/>
           </a:p>
         </p:txBody>
       </p:sp>
@@ -724,6 +760,99 @@
           <a:p>
             <a:fld id="{84B7DBC5-2A13-CA47-B9EE-6017A92B6B18}" type="slidenum">
               <a:rPr lang="en-US" smtClean="0"/>
+              <a:t>1</a:t>
+            </a:fld>
+            <a:endParaRPr lang="en-US"/>
+          </a:p>
+        </p:txBody>
+      </p:sp>
+    </p:spTree>
+    <p:extLst>
+      <p:ext uri="{BB962C8B-B14F-4D97-AF65-F5344CB8AC3E}">
+        <p14:creationId xmlns:p14="http://schemas.microsoft.com/office/powerpoint/2010/main" val="1064917940"/>
+      </p:ext>
+    </p:extLst>
+  </p:cSld>
+  <p:clrMapOvr>
+    <a:masterClrMapping/>
+  </p:clrMapOvr>
+</p:notes>
+</file>
+
+<file path=ppt/notesSlides/notesSlide2.xml><?xml version="1.0" encoding="utf-8"?>
+<p:notes xmlns:a="http://schemas.openxmlformats.org/drawingml/2006/main" xmlns:r="http://schemas.openxmlformats.org/officeDocument/2006/relationships" xmlns:p="http://schemas.openxmlformats.org/presentationml/2006/main">
+  <p:cSld>
+    <p:spTree>
+      <p:nvGrpSpPr>
+        <p:cNvPr id="1" name=""/>
+        <p:cNvGrpSpPr/>
+        <p:nvPr/>
+      </p:nvGrpSpPr>
+      <p:grpSpPr>
+        <a:xfrm>
+          <a:off x="0" y="0"/>
+          <a:ext cx="0" cy="0"/>
+          <a:chOff x="0" y="0"/>
+          <a:chExt cx="0" cy="0"/>
+        </a:xfrm>
+      </p:grpSpPr>
+      <p:sp>
+        <p:nvSpPr>
+          <p:cNvPr id="2" name="Slide Image Placeholder 1"/>
+          <p:cNvSpPr>
+            <a:spLocks noGrp="1" noRot="1" noChangeAspect="1"/>
+          </p:cNvSpPr>
+          <p:nvPr>
+            <p:ph type="sldImg"/>
+          </p:nvPr>
+        </p:nvSpPr>
+        <p:spPr/>
+      </p:sp>
+      <p:sp>
+        <p:nvSpPr>
+          <p:cNvPr id="3" name="Notes Placeholder 2"/>
+          <p:cNvSpPr>
+            <a:spLocks noGrp="1"/>
+          </p:cNvSpPr>
+          <p:nvPr>
+            <p:ph type="body" idx="1"/>
+          </p:nvPr>
+        </p:nvSpPr>
+        <p:spPr/>
+        <p:txBody>
+          <a:bodyPr/>
+          <a:lstStyle/>
+          <a:p>
+            <a:pPr rtl="0" fontAlgn="base"/>
+            <a:endParaRPr lang="en-CA" sz="1200" b="1" i="0" u="none" strike="noStrike" kern="1200" dirty="0" smtClean="0">
+              <a:solidFill>
+                <a:schemeClr val="tx1"/>
+              </a:solidFill>
+              <a:effectLst/>
+              <a:latin typeface="+mn-lt"/>
+              <a:ea typeface="+mn-ea"/>
+              <a:cs typeface="+mn-cs"/>
+            </a:endParaRPr>
+          </a:p>
+        </p:txBody>
+      </p:sp>
+      <p:sp>
+        <p:nvSpPr>
+          <p:cNvPr id="4" name="Slide Number Placeholder 3"/>
+          <p:cNvSpPr>
+            <a:spLocks noGrp="1"/>
+          </p:cNvSpPr>
+          <p:nvPr>
+            <p:ph type="sldNum" sz="quarter" idx="10"/>
+          </p:nvPr>
+        </p:nvSpPr>
+        <p:spPr/>
+        <p:txBody>
+          <a:bodyPr/>
+          <a:lstStyle/>
+          <a:p>
+            <a:fld id="{84B7DBC5-2A13-CA47-B9EE-6017A92B6B18}" type="slidenum">
+              <a:rPr lang="en-US" smtClean="0"/>
               <a:t>13</a:t>
             </a:fld>
             <a:endParaRPr lang="en-US"/>
@@ -743,7 +872,7 @@
 </p:notes>
 </file>
 
-<file path=ppt/notesSlides/notesSlide2.xml><?xml version="1.0" encoding="utf-8"?>
+<file path=ppt/notesSlides/notesSlide3.xml><?xml version="1.0" encoding="utf-8"?>
 <p:notes xmlns:a="http://schemas.openxmlformats.org/drawingml/2006/main" xmlns:r="http://schemas.openxmlformats.org/officeDocument/2006/relationships" xmlns:p="http://schemas.openxmlformats.org/presentationml/2006/main">
   <p:cSld>
     <p:spTree>
@@ -9344,9 +9473,6 @@
               </a:rPr>
               <a:t>Examples</a:t>
             </a:r>
-            <a:endParaRPr lang="en-CA" dirty="0" smtClean="0">
-              <a:latin typeface="+mn-lt"/>
-            </a:endParaRPr>
           </a:p>
           <a:p>
             <a:pPr marL="457200" indent="-457200">

--- a/data8/slides/lab6.pptx
+++ b/data8/slides/lab6.pptx
@@ -24,14 +24,14 @@
     <p:sldId id="302" r:id="rId12"/>
     <p:sldId id="303" r:id="rId13"/>
     <p:sldId id="290" r:id="rId14"/>
-    <p:sldId id="297" r:id="rId15"/>
-    <p:sldId id="299" r:id="rId16"/>
-    <p:sldId id="298" r:id="rId17"/>
-    <p:sldId id="304" r:id="rId18"/>
-    <p:sldId id="305" r:id="rId19"/>
-    <p:sldId id="300" r:id="rId20"/>
-    <p:sldId id="267" r:id="rId21"/>
-    <p:sldId id="266" r:id="rId22"/>
+    <p:sldId id="306" r:id="rId15"/>
+    <p:sldId id="297" r:id="rId16"/>
+    <p:sldId id="299" r:id="rId17"/>
+    <p:sldId id="298" r:id="rId18"/>
+    <p:sldId id="304" r:id="rId19"/>
+    <p:sldId id="305" r:id="rId20"/>
+    <p:sldId id="300" r:id="rId21"/>
+    <p:sldId id="267" r:id="rId22"/>
   </p:sldIdLst>
   <p:sldSz cx="9144000" cy="6858000" type="screen4x3"/>
   <p:notesSz cx="6858000" cy="9144000"/>
@@ -215,7 +215,7 @@
           <a:p>
             <a:fld id="{97CB1905-1EEB-6545-B5E2-B70E8868255E}" type="datetimeFigureOut">
               <a:rPr lang="en-US" smtClean="0"/>
-              <a:t>9/30/2019</a:t>
+              <a:t>10/13/2019</a:t>
             </a:fld>
             <a:endParaRPr lang="en-US"/>
           </a:p>
@@ -381,7 +381,7 @@
           <a:p>
             <a:fld id="{5F53F6BF-7462-9046-A2B6-90C29244BD27}" type="datetimeFigureOut">
               <a:rPr lang="en-US" smtClean="0"/>
-              <a:t>9/30/2019</a:t>
+              <a:t>10/13/2019</a:t>
             </a:fld>
             <a:endParaRPr lang="en-US"/>
           </a:p>
@@ -694,52 +694,7 @@
           <a:bodyPr/>
           <a:lstStyle/>
           <a:p>
-            <a:r>
-              <a:rPr lang="en-CA" dirty="0" smtClean="0"/>
-              <a:t>Notes for Lab 6 Worksheet</a:t>
-            </a:r>
-          </a:p>
-          <a:p>
             <a:endParaRPr lang="en-CA" dirty="0" smtClean="0"/>
-          </a:p>
-          <a:p>
-            <a:r>
-              <a:rPr lang="en-CA" dirty="0" smtClean="0"/>
-              <a:t>- Why hypothesis testing? Motivate before starting the worksheet</a:t>
-            </a:r>
-          </a:p>
-          <a:p>
-            <a:r>
-              <a:rPr lang="en-CA" dirty="0" smtClean="0"/>
-              <a:t>- </a:t>
-            </a:r>
-            <a:r>
-              <a:rPr lang="en-CA" dirty="0" err="1" smtClean="0"/>
-              <a:t>sample_proportions</a:t>
-            </a:r>
-            <a:r>
-              <a:rPr lang="en-CA" dirty="0" smtClean="0"/>
-              <a:t> is tricky: talk about theoretical/empirical distribution, how they have to sum to 1</a:t>
-            </a:r>
-          </a:p>
-          <a:p>
-            <a:r>
-              <a:rPr lang="en-CA" dirty="0" smtClean="0"/>
-              <a:t>- Avoid jargon: no null hypotheses, no p-value, etc.</a:t>
-            </a:r>
-          </a:p>
-          <a:p>
-            <a:r>
-              <a:rPr lang="en-CA" dirty="0" smtClean="0"/>
-              <a:t>- Focus that null hypothesis is something clearly defined</a:t>
-            </a:r>
-          </a:p>
-          <a:p>
-            <a:r>
-              <a:rPr lang="en-CA" dirty="0" smtClean="0"/>
-              <a:t>- Alternative comes from the observed value -&gt; that's why it's one-sided and not a two-sided test</a:t>
-            </a:r>
-            <a:endParaRPr lang="en-CA" dirty="0"/>
           </a:p>
         </p:txBody>
       </p:sp>
@@ -853,7 +808,7 @@
           <a:p>
             <a:fld id="{84B7DBC5-2A13-CA47-B9EE-6017A92B6B18}" type="slidenum">
               <a:rPr lang="en-US" smtClean="0"/>
-              <a:t>13</a:t>
+              <a:t>14</a:t>
             </a:fld>
             <a:endParaRPr lang="en-US"/>
           </a:p>
@@ -946,7 +901,7 @@
           <a:p>
             <a:fld id="{84B7DBC5-2A13-CA47-B9EE-6017A92B6B18}" type="slidenum">
               <a:rPr lang="en-US" smtClean="0"/>
-              <a:t>14</a:t>
+              <a:t>15</a:t>
             </a:fld>
             <a:endParaRPr lang="en-US"/>
           </a:p>
@@ -8132,7 +8087,7 @@
               <a:rPr lang="en-CA" dirty="0" smtClean="0">
                 <a:latin typeface="+mn-lt"/>
               </a:rPr>
-              <a:t>P-Value</a:t>
+              <a:t>Sample Proportions Examples</a:t>
             </a:r>
             <a:endParaRPr lang="en-CA" dirty="0">
               <a:latin typeface="+mn-lt"/>
@@ -8161,74 +8116,98 @@
           <a:lstStyle/>
           <a:p>
             <a:r>
-              <a:rPr lang="en-CA" dirty="0">
-                <a:latin typeface="+mn-lt"/>
-              </a:rPr>
-              <a:t>The P-value is the chance, </a:t>
+              <a:rPr lang="en-CA" dirty="0" smtClean="0">
+                <a:latin typeface="+mn-lt"/>
+              </a:rPr>
+              <a:t>Flip a fair coin 15 times</a:t>
             </a:r>
           </a:p>
           <a:p>
             <a:pPr lvl="1"/>
             <a:r>
-              <a:rPr lang="en-CA" dirty="0">
-                <a:latin typeface="+mn-lt"/>
-              </a:rPr>
-              <a:t>under the null hypothesis, </a:t>
+              <a:rPr lang="en-CA" dirty="0" err="1" smtClean="0">
+                <a:latin typeface="+mn-lt"/>
+              </a:rPr>
+              <a:t>sample_proportions</a:t>
+            </a:r>
+            <a:r>
+              <a:rPr lang="en-CA" dirty="0" smtClean="0">
+                <a:latin typeface="+mn-lt"/>
+              </a:rPr>
+              <a:t>(15, </a:t>
+            </a:r>
+            <a:r>
+              <a:rPr lang="en-CA" dirty="0" err="1" smtClean="0">
+                <a:latin typeface="+mn-lt"/>
+              </a:rPr>
+              <a:t>make_array</a:t>
+            </a:r>
+            <a:r>
+              <a:rPr lang="en-CA" dirty="0" smtClean="0">
+                <a:latin typeface="+mn-lt"/>
+              </a:rPr>
+              <a:t>(0.5,0.5))</a:t>
             </a:r>
           </a:p>
           <a:p>
             <a:pPr lvl="1"/>
             <a:r>
-              <a:rPr lang="en-CA" dirty="0">
-                <a:latin typeface="+mn-lt"/>
-              </a:rPr>
-              <a:t>that the test statistic </a:t>
-            </a:r>
-            <a:r>
               <a:rPr lang="en-CA" dirty="0" smtClean="0">
                 <a:latin typeface="+mn-lt"/>
               </a:rPr>
-              <a:t>is </a:t>
-            </a:r>
-            <a:r>
-              <a:rPr lang="en-CA" dirty="0">
-                <a:latin typeface="+mn-lt"/>
-              </a:rPr>
-              <a:t>equal to the value that was observed in the data</a:t>
+              <a:t>Hypothetically, suppose you get 10 heads and 5 tails: the output is an array [10/15, 5/15]</a:t>
+            </a:r>
+          </a:p>
+          <a:p>
+            <a:r>
+              <a:rPr lang="en-CA" dirty="0" smtClean="0">
+                <a:latin typeface="+mn-lt"/>
+              </a:rPr>
+              <a:t>Roll a fair die 30 times</a:t>
             </a:r>
           </a:p>
           <a:p>
             <a:pPr lvl="1"/>
             <a:r>
-              <a:rPr lang="en-CA" dirty="0">
-                <a:latin typeface="+mn-lt"/>
-              </a:rPr>
-              <a:t>or is even further in the direction of the alternative</a:t>
+              <a:rPr lang="en-CA" dirty="0" err="1" smtClean="0">
+                <a:latin typeface="+mn-lt"/>
+              </a:rPr>
+              <a:t>sample_proportions</a:t>
             </a:r>
             <a:r>
               <a:rPr lang="en-CA" dirty="0" smtClean="0">
                 <a:latin typeface="+mn-lt"/>
               </a:rPr>
-              <a:t>.</a:t>
-            </a:r>
-          </a:p>
-          <a:p>
+              <a:t>(30, </a:t>
+            </a:r>
+            <a:r>
+              <a:rPr lang="en-CA" dirty="0" err="1" smtClean="0">
+                <a:latin typeface="+mn-lt"/>
+              </a:rPr>
+              <a:t>make_array</a:t>
+            </a:r>
             <a:r>
               <a:rPr lang="en-CA" dirty="0" smtClean="0">
                 <a:latin typeface="+mn-lt"/>
               </a:rPr>
-              <a:t>Each one of these bullet points is necessary! Without it, this would not be the p-value so the full definition is important</a:t>
-            </a:r>
-            <a:endParaRPr lang="en-CA" dirty="0">
-              <a:latin typeface="+mn-lt"/>
-            </a:endParaRPr>
+              <a:t>(1/6,1/6,1/6,1/6,1/6,.1/6))</a:t>
+            </a:r>
+          </a:p>
+          <a:p>
+            <a:pPr lvl="1"/>
+            <a:r>
+              <a:rPr lang="en-CA" dirty="0" smtClean="0">
+                <a:latin typeface="+mn-lt"/>
+              </a:rPr>
+              <a:t>Hypothetically, suppose you get five 1’s, seven 2’s, four 3’s, six 5’s, and eight 6’s: the output is an array [5/30, 7/30, 4/30, 6/30, 8/30] </a:t>
+            </a:r>
           </a:p>
         </p:txBody>
       </p:sp>
     </p:spTree>
     <p:extLst>
       <p:ext uri="{BB962C8B-B14F-4D97-AF65-F5344CB8AC3E}">
-        <p14:creationId xmlns:p14="http://schemas.microsoft.com/office/powerpoint/2010/main" val="3868547302"/>
+        <p14:creationId xmlns:p14="http://schemas.microsoft.com/office/powerpoint/2010/main" val="4024397562"/>
       </p:ext>
     </p:extLst>
   </p:cSld>
@@ -8286,7 +8265,7 @@
               <a:rPr lang="en-CA" dirty="0" smtClean="0">
                 <a:latin typeface="+mn-lt"/>
               </a:rPr>
-              <a:t>P-Value (cont’d)</a:t>
+              <a:t>P-Value</a:t>
             </a:r>
             <a:endParaRPr lang="en-CA" dirty="0">
               <a:latin typeface="+mn-lt"/>
@@ -8294,76 +8273,95 @@
           </a:p>
         </p:txBody>
       </p:sp>
-      <p:pic>
-        <p:nvPicPr>
-          <p:cNvPr id="1026" name="Picture 2"/>
-          <p:cNvPicPr>
-            <a:picLocks noGrp="1" noChangeAspect="1" noChangeArrowheads="1"/>
-          </p:cNvPicPr>
+      <p:sp>
+        <p:nvSpPr>
+          <p:cNvPr id="3" name="Content Placeholder 2"/>
+          <p:cNvSpPr>
+            <a:spLocks noGrp="1"/>
+          </p:cNvSpPr>
           <p:nvPr>
             <p:ph idx="1"/>
           </p:nvPr>
-        </p:nvPicPr>
-        <p:blipFill>
-          <a:blip r:embed="rId2">
-            <a:extLst>
-              <a:ext uri="{28A0092B-C50C-407E-A947-70E740481C1C}">
-                <a14:useLocalDpi xmlns:a14="http://schemas.microsoft.com/office/drawing/2010/main" val="0"/>
-              </a:ext>
-            </a:extLst>
-          </a:blip>
-          <a:srcRect/>
-          <a:stretch>
-            <a:fillRect/>
-          </a:stretch>
-        </p:blipFill>
-        <p:spPr bwMode="auto">
-          <a:xfrm>
-            <a:off x="1690580" y="1565799"/>
-            <a:ext cx="5762840" cy="3705950"/>
-          </a:xfrm>
-          <a:prstGeom prst="rect">
-            <a:avLst/>
-          </a:prstGeom>
-          <a:noFill/>
-          <a:ln>
-            <a:noFill/>
-          </a:ln>
-          <a:effectLst/>
-          <a:extLst>
-            <a:ext uri="{909E8E84-426E-40DD-AFC4-6F175D3DCCD1}">
-              <a14:hiddenFill xmlns:a14="http://schemas.microsoft.com/office/drawing/2010/main">
-                <a:solidFill>
-                  <a:schemeClr val="accent1"/>
-                </a:solidFill>
-              </a14:hiddenFill>
-            </a:ext>
-            <a:ext uri="{91240B29-F687-4F45-9708-019B960494DF}">
-              <a14:hiddenLine xmlns:a14="http://schemas.microsoft.com/office/drawing/2010/main" w="9525">
-                <a:solidFill>
-                  <a:schemeClr val="tx1"/>
-                </a:solidFill>
-                <a:miter lim="800000"/>
-                <a:headEnd/>
-                <a:tailEnd/>
-              </a14:hiddenLine>
-            </a:ext>
-            <a:ext uri="{AF507438-7753-43E0-B8FC-AC1667EBCBE1}">
-              <a14:hiddenEffects xmlns:a14="http://schemas.microsoft.com/office/drawing/2010/main">
-                <a:effectLst>
-                  <a:outerShdw dist="35921" dir="2700000" algn="ctr" rotWithShape="0">
-                    <a:schemeClr val="bg2"/>
-                  </a:outerShdw>
-                </a:effectLst>
-              </a14:hiddenEffects>
-            </a:ext>
-          </a:extLst>
-        </p:spPr>
-      </p:pic>
+        </p:nvSpPr>
+        <p:spPr>
+          <a:xfrm>
+            <a:off x="457200" y="1756947"/>
+            <a:ext cx="8286750" cy="3596103"/>
+          </a:xfrm>
+        </p:spPr>
+        <p:txBody>
+          <a:bodyPr/>
+          <a:lstStyle/>
+          <a:p>
+            <a:r>
+              <a:rPr lang="en-CA" dirty="0">
+                <a:latin typeface="+mn-lt"/>
+              </a:rPr>
+              <a:t>The P-value is the chance, </a:t>
+            </a:r>
+          </a:p>
+          <a:p>
+            <a:pPr lvl="1"/>
+            <a:r>
+              <a:rPr lang="en-CA" dirty="0">
+                <a:latin typeface="+mn-lt"/>
+              </a:rPr>
+              <a:t>under the null hypothesis, </a:t>
+            </a:r>
+          </a:p>
+          <a:p>
+            <a:pPr lvl="1"/>
+            <a:r>
+              <a:rPr lang="en-CA" dirty="0">
+                <a:latin typeface="+mn-lt"/>
+              </a:rPr>
+              <a:t>that the test statistic </a:t>
+            </a:r>
+            <a:r>
+              <a:rPr lang="en-CA" dirty="0" smtClean="0">
+                <a:latin typeface="+mn-lt"/>
+              </a:rPr>
+              <a:t>is </a:t>
+            </a:r>
+            <a:r>
+              <a:rPr lang="en-CA" dirty="0">
+                <a:latin typeface="+mn-lt"/>
+              </a:rPr>
+              <a:t>equal to the value that was observed in the data</a:t>
+            </a:r>
+          </a:p>
+          <a:p>
+            <a:pPr lvl="1"/>
+            <a:r>
+              <a:rPr lang="en-CA" dirty="0">
+                <a:latin typeface="+mn-lt"/>
+              </a:rPr>
+              <a:t>or is even further in the direction of the alternative</a:t>
+            </a:r>
+            <a:r>
+              <a:rPr lang="en-CA" dirty="0" smtClean="0">
+                <a:latin typeface="+mn-lt"/>
+              </a:rPr>
+              <a:t>.</a:t>
+            </a:r>
+          </a:p>
+          <a:p>
+            <a:r>
+              <a:rPr lang="en-CA" dirty="0" smtClean="0">
+                <a:latin typeface="+mn-lt"/>
+              </a:rPr>
+              <a:t>Each one of these bullet points is necessary! Without it, this would not be the p-value so the full definition is important</a:t>
+            </a:r>
+            <a:endParaRPr lang="en-CA" dirty="0">
+              <a:latin typeface="+mn-lt"/>
+            </a:endParaRPr>
+          </a:p>
+        </p:txBody>
+      </p:sp>
     </p:spTree>
     <p:extLst>
       <p:ext uri="{BB962C8B-B14F-4D97-AF65-F5344CB8AC3E}">
-        <p14:creationId xmlns:p14="http://schemas.microsoft.com/office/powerpoint/2010/main" val="709115641"/>
+        <p14:creationId xmlns:p14="http://schemas.microsoft.com/office/powerpoint/2010/main" val="3868547302"/>
       </p:ext>
     </p:extLst>
   </p:cSld>
@@ -8421,7 +8419,7 @@
               <a:rPr lang="en-CA" dirty="0" smtClean="0">
                 <a:latin typeface="+mn-lt"/>
               </a:rPr>
-              <a:t>Making a Decision</a:t>
+              <a:t>P-Value (cont’d)</a:t>
             </a:r>
             <a:endParaRPr lang="en-CA" dirty="0">
               <a:latin typeface="+mn-lt"/>
@@ -8429,100 +8427,76 @@
           </a:p>
         </p:txBody>
       </p:sp>
-      <p:sp>
-        <p:nvSpPr>
-          <p:cNvPr id="3" name="Content Placeholder 2"/>
-          <p:cNvSpPr>
-            <a:spLocks noGrp="1"/>
-          </p:cNvSpPr>
+      <p:pic>
+        <p:nvPicPr>
+          <p:cNvPr id="1026" name="Picture 2"/>
+          <p:cNvPicPr>
+            <a:picLocks noGrp="1" noChangeAspect="1" noChangeArrowheads="1"/>
+          </p:cNvPicPr>
           <p:nvPr>
             <p:ph idx="1"/>
           </p:nvPr>
-        </p:nvSpPr>
-        <p:spPr>
-          <a:xfrm>
-            <a:off x="457200" y="1756947"/>
-            <a:ext cx="8286750" cy="3596103"/>
-          </a:xfrm>
-        </p:spPr>
-        <p:txBody>
-          <a:bodyPr/>
-          <a:lstStyle/>
-          <a:p>
-            <a:r>
-              <a:rPr lang="en-CA" dirty="0" smtClean="0">
-                <a:latin typeface="+mn-lt"/>
-              </a:rPr>
-              <a:t>Compare the observed test statistic with the simulated test statistics to make a decision on whether or not to reject the null</a:t>
-            </a:r>
-          </a:p>
-          <a:p>
-            <a:r>
-              <a:rPr lang="en-CA" dirty="0" smtClean="0">
-                <a:latin typeface="+mn-lt"/>
-              </a:rPr>
-              <a:t>Traditionally people use a p-value </a:t>
-            </a:r>
-            <a:r>
-              <a:rPr lang="en-CA" dirty="0" err="1" smtClean="0">
-                <a:latin typeface="+mn-lt"/>
-              </a:rPr>
-              <a:t>cutoff</a:t>
-            </a:r>
-            <a:r>
-              <a:rPr lang="en-CA" dirty="0" smtClean="0">
-                <a:latin typeface="+mn-lt"/>
-              </a:rPr>
-              <a:t> of 5% </a:t>
-            </a:r>
-          </a:p>
-          <a:p>
-            <a:pPr lvl="1"/>
-            <a:r>
-              <a:rPr lang="en-CA" dirty="0" smtClean="0">
-                <a:latin typeface="+mn-lt"/>
-              </a:rPr>
-              <a:t>Any p-value less than or equal to 5% is treated as “statistically significant”</a:t>
-            </a:r>
-            <a:endParaRPr lang="en-CA" dirty="0">
-              <a:latin typeface="+mn-lt"/>
-            </a:endParaRPr>
-          </a:p>
-          <a:p>
-            <a:r>
-              <a:rPr lang="en-CA" dirty="0" smtClean="0">
-                <a:latin typeface="+mn-lt"/>
-              </a:rPr>
-              <a:t>If less than the </a:t>
-            </a:r>
-            <a:r>
-              <a:rPr lang="en-CA" dirty="0" err="1" smtClean="0">
-                <a:latin typeface="+mn-lt"/>
-              </a:rPr>
-              <a:t>cutoff</a:t>
-            </a:r>
-            <a:r>
-              <a:rPr lang="en-CA" dirty="0" smtClean="0">
-                <a:latin typeface="+mn-lt"/>
-              </a:rPr>
-              <a:t>, the null hypothesis is inconsistent with the data and we reject the null </a:t>
-            </a:r>
-          </a:p>
-          <a:p>
-            <a:pPr lvl="1"/>
-            <a:r>
-              <a:rPr lang="en-CA" dirty="0" smtClean="0">
-                <a:latin typeface="+mn-lt"/>
-              </a:rPr>
-              <a:t>Otherwise, we “fail to reject the null”</a:t>
-            </a:r>
-          </a:p>
-        </p:txBody>
-      </p:sp>
+        </p:nvPicPr>
+        <p:blipFill>
+          <a:blip r:embed="rId2">
+            <a:extLst>
+              <a:ext uri="{28A0092B-C50C-407E-A947-70E740481C1C}">
+                <a14:useLocalDpi xmlns:a14="http://schemas.microsoft.com/office/drawing/2010/main" val="0"/>
+              </a:ext>
+            </a:extLst>
+          </a:blip>
+          <a:srcRect/>
+          <a:stretch>
+            <a:fillRect/>
+          </a:stretch>
+        </p:blipFill>
+        <p:spPr bwMode="auto">
+          <a:xfrm>
+            <a:off x="1690580" y="1565799"/>
+            <a:ext cx="5762840" cy="3705950"/>
+          </a:xfrm>
+          <a:prstGeom prst="rect">
+            <a:avLst/>
+          </a:prstGeom>
+          <a:noFill/>
+          <a:ln>
+            <a:noFill/>
+          </a:ln>
+          <a:effectLst/>
+          <a:extLst>
+            <a:ext uri="{909E8E84-426E-40DD-AFC4-6F175D3DCCD1}">
+              <a14:hiddenFill xmlns:a14="http://schemas.microsoft.com/office/drawing/2010/main">
+                <a:solidFill>
+                  <a:schemeClr val="accent1"/>
+                </a:solidFill>
+              </a14:hiddenFill>
+            </a:ext>
+            <a:ext uri="{91240B29-F687-4F45-9708-019B960494DF}">
+              <a14:hiddenLine xmlns:a14="http://schemas.microsoft.com/office/drawing/2010/main" w="9525">
+                <a:solidFill>
+                  <a:schemeClr val="tx1"/>
+                </a:solidFill>
+                <a:miter lim="800000"/>
+                <a:headEnd/>
+                <a:tailEnd/>
+              </a14:hiddenLine>
+            </a:ext>
+            <a:ext uri="{AF507438-7753-43E0-B8FC-AC1667EBCBE1}">
+              <a14:hiddenEffects xmlns:a14="http://schemas.microsoft.com/office/drawing/2010/main">
+                <a:effectLst>
+                  <a:outerShdw dist="35921" dir="2700000" algn="ctr" rotWithShape="0">
+                    <a:schemeClr val="bg2"/>
+                  </a:outerShdw>
+                </a:effectLst>
+              </a14:hiddenEffects>
+            </a:ext>
+          </a:extLst>
+        </p:spPr>
+      </p:pic>
     </p:spTree>
     <p:extLst>
       <p:ext uri="{BB962C8B-B14F-4D97-AF65-F5344CB8AC3E}">
-        <p14:creationId xmlns:p14="http://schemas.microsoft.com/office/powerpoint/2010/main" val="214415697"/>
+        <p14:creationId xmlns:p14="http://schemas.microsoft.com/office/powerpoint/2010/main" val="709115641"/>
       </p:ext>
     </p:extLst>
   </p:cSld>
@@ -8580,7 +8554,7 @@
               <a:rPr lang="en-CA" dirty="0" smtClean="0">
                 <a:latin typeface="+mn-lt"/>
               </a:rPr>
-              <a:t>Example: Swain v. Alabama</a:t>
+              <a:t>Making a Decision</a:t>
             </a:r>
             <a:endParaRPr lang="en-CA" dirty="0">
               <a:latin typeface="+mn-lt"/>
@@ -8590,7 +8564,7 @@
       </p:sp>
       <p:sp>
         <p:nvSpPr>
-          <p:cNvPr id="7" name="Content Placeholder 2"/>
+          <p:cNvPr id="3" name="Content Placeholder 2"/>
           <p:cNvSpPr>
             <a:spLocks noGrp="1"/>
           </p:cNvSpPr>
@@ -8601,20 +8575,18 @@
         <p:spPr>
           <a:xfrm>
             <a:off x="457200" y="1756947"/>
-            <a:ext cx="3952875" cy="3872328"/>
+            <a:ext cx="8286750" cy="3596103"/>
           </a:xfrm>
         </p:spPr>
         <p:txBody>
-          <a:bodyPr>
-            <a:normAutofit lnSpcReduction="10000"/>
-          </a:bodyPr>
+          <a:bodyPr/>
           <a:lstStyle/>
           <a:p>
             <a:r>
               <a:rPr lang="en-CA" dirty="0" smtClean="0">
                 <a:latin typeface="+mn-lt"/>
               </a:rPr>
-              <a:t>Null: Jury panel drawn at random</a:t>
+              <a:t>Compare the observed test statistic with the simulated test statistics to make a decision on whether or not to reject the null</a:t>
             </a:r>
           </a:p>
           <a:p>
@@ -8622,108 +8594,68 @@
               <a:rPr lang="en-CA" dirty="0" smtClean="0">
                 <a:latin typeface="+mn-lt"/>
               </a:rPr>
-              <a:t>Alternative: Too few Black jurors</a:t>
-            </a:r>
-          </a:p>
-          <a:p>
+              <a:t>Traditionally people use a p-value </a:t>
+            </a:r>
+            <a:r>
+              <a:rPr lang="en-CA" dirty="0" err="1" smtClean="0">
+                <a:latin typeface="+mn-lt"/>
+              </a:rPr>
+              <a:t>cutoff</a:t>
+            </a:r>
             <a:r>
               <a:rPr lang="en-CA" dirty="0" smtClean="0">
                 <a:latin typeface="+mn-lt"/>
               </a:rPr>
-              <a:t>Statistic: Number of black jurors on panel</a:t>
-            </a:r>
-          </a:p>
-          <a:p>
+              <a:t> of 5% </a:t>
+            </a:r>
+          </a:p>
+          <a:p>
+            <a:pPr lvl="1"/>
             <a:r>
               <a:rPr lang="en-CA" dirty="0" smtClean="0">
                 <a:latin typeface="+mn-lt"/>
               </a:rPr>
-              <a:t>P-Value: Area at or to the left of the observed value (yellow line)</a:t>
-            </a:r>
-          </a:p>
-          <a:p>
-            <a:r>
-              <a:rPr lang="en-CA" dirty="0" smtClean="0">
-                <a:latin typeface="+mn-lt"/>
-              </a:rPr>
-              <a:t>Result: Test favours alternative</a:t>
-            </a:r>
-          </a:p>
-          <a:p>
+              <a:t>Any p-value less than or equal to 5% is treated as “statistically significant”</a:t>
+            </a:r>
             <a:endParaRPr lang="en-CA" dirty="0">
               <a:latin typeface="+mn-lt"/>
             </a:endParaRPr>
           </a:p>
+          <a:p>
+            <a:r>
+              <a:rPr lang="en-CA" dirty="0" smtClean="0">
+                <a:latin typeface="+mn-lt"/>
+              </a:rPr>
+              <a:t>If less than the </a:t>
+            </a:r>
+            <a:r>
+              <a:rPr lang="en-CA" dirty="0" err="1" smtClean="0">
+                <a:latin typeface="+mn-lt"/>
+              </a:rPr>
+              <a:t>cutoff</a:t>
+            </a:r>
+            <a:r>
+              <a:rPr lang="en-CA" dirty="0" smtClean="0">
+                <a:latin typeface="+mn-lt"/>
+              </a:rPr>
+              <a:t>, the null hypothesis is inconsistent with the data and we reject the null </a:t>
+            </a:r>
+          </a:p>
+          <a:p>
+            <a:pPr lvl="1"/>
+            <a:r>
+              <a:rPr lang="en-CA" dirty="0" smtClean="0">
+                <a:latin typeface="+mn-lt"/>
+              </a:rPr>
+              <a:t>Otherwise, we “fail to reject the null”</a:t>
+            </a:r>
+          </a:p>
         </p:txBody>
       </p:sp>
-      <p:pic>
-        <p:nvPicPr>
-          <p:cNvPr id="5125" name="Picture 5"/>
-          <p:cNvPicPr>
-            <a:picLocks noChangeAspect="1" noChangeArrowheads="1"/>
-          </p:cNvPicPr>
-          <p:nvPr/>
-        </p:nvPicPr>
-        <p:blipFill>
-          <a:blip r:embed="rId3">
-            <a:extLst>
-              <a:ext uri="{28A0092B-C50C-407E-A947-70E740481C1C}">
-                <a14:useLocalDpi xmlns:a14="http://schemas.microsoft.com/office/drawing/2010/main" val="0"/>
-              </a:ext>
-            </a:extLst>
-          </a:blip>
-          <a:srcRect/>
-          <a:stretch>
-            <a:fillRect/>
-          </a:stretch>
-        </p:blipFill>
-        <p:spPr bwMode="auto">
-          <a:xfrm>
-            <a:off x="4532312" y="1996281"/>
-            <a:ext cx="4335463" cy="2865438"/>
-          </a:xfrm>
-          <a:prstGeom prst="rect">
-            <a:avLst/>
-          </a:prstGeom>
-          <a:noFill/>
-          <a:ln>
-            <a:noFill/>
-          </a:ln>
-          <a:effectLst/>
-          <a:extLst>
-            <a:ext uri="{909E8E84-426E-40DD-AFC4-6F175D3DCCD1}">
-              <a14:hiddenFill xmlns:a14="http://schemas.microsoft.com/office/drawing/2010/main">
-                <a:solidFill>
-                  <a:schemeClr val="accent1"/>
-                </a:solidFill>
-              </a14:hiddenFill>
-            </a:ext>
-            <a:ext uri="{91240B29-F687-4F45-9708-019B960494DF}">
-              <a14:hiddenLine xmlns:a14="http://schemas.microsoft.com/office/drawing/2010/main" w="9525">
-                <a:solidFill>
-                  <a:schemeClr val="tx1"/>
-                </a:solidFill>
-                <a:miter lim="800000"/>
-                <a:headEnd/>
-                <a:tailEnd/>
-              </a14:hiddenLine>
-            </a:ext>
-            <a:ext uri="{AF507438-7753-43E0-B8FC-AC1667EBCBE1}">
-              <a14:hiddenEffects xmlns:a14="http://schemas.microsoft.com/office/drawing/2010/main">
-                <a:effectLst>
-                  <a:outerShdw dist="35921" dir="2700000" algn="ctr" rotWithShape="0">
-                    <a:schemeClr val="bg2"/>
-                  </a:outerShdw>
-                </a:effectLst>
-              </a14:hiddenEffects>
-            </a:ext>
-          </a:extLst>
-        </p:spPr>
-      </p:pic>
     </p:spTree>
     <p:extLst>
       <p:ext uri="{BB962C8B-B14F-4D97-AF65-F5344CB8AC3E}">
-        <p14:creationId xmlns:p14="http://schemas.microsoft.com/office/powerpoint/2010/main" val="670248572"/>
+        <p14:creationId xmlns:p14="http://schemas.microsoft.com/office/powerpoint/2010/main" val="214415697"/>
       </p:ext>
     </p:extLst>
   </p:cSld>
@@ -8781,7 +8713,7 @@
               <a:rPr lang="en-CA" dirty="0" smtClean="0">
                 <a:latin typeface="+mn-lt"/>
               </a:rPr>
-              <a:t>Example: Mendel’s Peas</a:t>
+              <a:t>Example: Swain v. Alabama</a:t>
             </a:r>
             <a:endParaRPr lang="en-CA" dirty="0">
               <a:latin typeface="+mn-lt"/>
@@ -8807,21 +8739,15 @@
         </p:spPr>
         <p:txBody>
           <a:bodyPr>
-            <a:normAutofit fontScale="92500" lnSpcReduction="10000"/>
+            <a:normAutofit lnSpcReduction="10000"/>
           </a:bodyPr>
           <a:lstStyle/>
           <a:p>
             <a:r>
-              <a:rPr lang="en-CA" dirty="0">
-                <a:latin typeface="+mn-lt"/>
-              </a:rPr>
-              <a:t>Null: Each pea plant has 75% chance of being purple </a:t>
-            </a:r>
-            <a:r>
               <a:rPr lang="en-CA" dirty="0" smtClean="0">
                 <a:latin typeface="+mn-lt"/>
               </a:rPr>
-              <a:t>flowering</a:t>
+              <a:t>Null: Jury panel drawn at random</a:t>
             </a:r>
           </a:p>
           <a:p>
@@ -8829,36 +8755,23 @@
               <a:rPr lang="en-CA" dirty="0" smtClean="0">
                 <a:latin typeface="+mn-lt"/>
               </a:rPr>
-              <a:t>Alternative</a:t>
-            </a:r>
-            <a:r>
-              <a:rPr lang="en-CA" dirty="0">
-                <a:latin typeface="+mn-lt"/>
-              </a:rPr>
-              <a:t>: </a:t>
-            </a:r>
+              <a:t>Alternative: Too few Black jurors</a:t>
+            </a:r>
+          </a:p>
+          <a:p>
             <a:r>
               <a:rPr lang="en-CA" dirty="0" smtClean="0">
                 <a:latin typeface="+mn-lt"/>
               </a:rPr>
-              <a:t>Pea plant does not have 75% chance of being purple flowering</a:t>
-            </a:r>
-            <a:endParaRPr lang="en-CA" dirty="0">
-              <a:latin typeface="+mn-lt"/>
-            </a:endParaRPr>
-          </a:p>
-          <a:p>
-            <a:r>
-              <a:rPr lang="en-CA" dirty="0">
-                <a:latin typeface="+mn-lt"/>
-              </a:rPr>
-              <a:t>Statistic: </a:t>
-            </a:r>
+              <a:t>Statistic: Number of black jurors on panel</a:t>
+            </a:r>
+          </a:p>
+          <a:p>
             <a:r>
               <a:rPr lang="en-CA" dirty="0" smtClean="0">
                 <a:latin typeface="+mn-lt"/>
               </a:rPr>
-              <a:t>| % purple flowering peas in sample – 75 | </a:t>
+              <a:t>P-Value: Area at or to the left of the observed value (yellow line)</a:t>
             </a:r>
           </a:p>
           <a:p>
@@ -8866,43 +8779,8 @@
               <a:rPr lang="en-CA" dirty="0" smtClean="0">
                 <a:latin typeface="+mn-lt"/>
               </a:rPr>
-              <a:t>P-Value</a:t>
-            </a:r>
-            <a:r>
-              <a:rPr lang="en-CA" dirty="0">
-                <a:latin typeface="+mn-lt"/>
-              </a:rPr>
-              <a:t>: Area at or to the </a:t>
-            </a:r>
-            <a:r>
-              <a:rPr lang="en-CA" dirty="0" smtClean="0">
-                <a:latin typeface="+mn-lt"/>
-              </a:rPr>
-              <a:t>right of the observed value (yellow </a:t>
-            </a:r>
-            <a:r>
-              <a:rPr lang="en-CA" dirty="0">
-                <a:latin typeface="+mn-lt"/>
-              </a:rPr>
-              <a:t>line)</a:t>
-            </a:r>
-          </a:p>
-          <a:p>
-            <a:r>
-              <a:rPr lang="en-CA" dirty="0">
-                <a:latin typeface="+mn-lt"/>
-              </a:rPr>
-              <a:t>Result: Test favours </a:t>
-            </a:r>
-            <a:r>
-              <a:rPr lang="en-CA" dirty="0" smtClean="0">
-                <a:latin typeface="+mn-lt"/>
-              </a:rPr>
-              <a:t>null</a:t>
-            </a:r>
-            <a:endParaRPr lang="en-CA" dirty="0">
-              <a:latin typeface="+mn-lt"/>
-            </a:endParaRPr>
+              <a:t>Result: Test favours alternative</a:t>
+            </a:r>
           </a:p>
           <a:p>
             <a:endParaRPr lang="en-CA" dirty="0">
@@ -8913,7 +8791,7 @@
       </p:sp>
       <p:pic>
         <p:nvPicPr>
-          <p:cNvPr id="6146" name="Picture 2"/>
+          <p:cNvPr id="5125" name="Picture 5"/>
           <p:cNvPicPr>
             <a:picLocks noChangeAspect="1" noChangeArrowheads="1"/>
           </p:cNvPicPr>
@@ -8934,8 +8812,8 @@
         </p:blipFill>
         <p:spPr bwMode="auto">
           <a:xfrm>
-            <a:off x="4516438" y="2023269"/>
-            <a:ext cx="4359275" cy="2811463"/>
+            <a:off x="4532312" y="1996281"/>
+            <a:ext cx="4335463" cy="2865438"/>
           </a:xfrm>
           <a:prstGeom prst="rect">
             <a:avLst/>
@@ -8978,7 +8856,7 @@
     </p:spTree>
     <p:extLst>
       <p:ext uri="{BB962C8B-B14F-4D97-AF65-F5344CB8AC3E}">
-        <p14:creationId xmlns:p14="http://schemas.microsoft.com/office/powerpoint/2010/main" val="3656309352"/>
+        <p14:creationId xmlns:p14="http://schemas.microsoft.com/office/powerpoint/2010/main" val="670248572"/>
       </p:ext>
     </p:extLst>
   </p:cSld>
@@ -9036,7 +8914,7 @@
               <a:rPr lang="en-CA" dirty="0" smtClean="0">
                 <a:latin typeface="+mn-lt"/>
               </a:rPr>
-              <a:t>Error Probabilities</a:t>
+              <a:t>Example: Mendel’s Peas</a:t>
             </a:r>
             <a:endParaRPr lang="en-CA" dirty="0">
               <a:latin typeface="+mn-lt"/>
@@ -9046,7 +8924,7 @@
       </p:sp>
       <p:sp>
         <p:nvSpPr>
-          <p:cNvPr id="3" name="Content Placeholder 2"/>
+          <p:cNvPr id="7" name="Content Placeholder 2"/>
           <p:cNvSpPr>
             <a:spLocks noGrp="1"/>
           </p:cNvSpPr>
@@ -9057,66 +8935,183 @@
         <p:spPr>
           <a:xfrm>
             <a:off x="457200" y="1756947"/>
-            <a:ext cx="8286750" cy="3596103"/>
+            <a:ext cx="3952875" cy="3872328"/>
           </a:xfrm>
         </p:spPr>
         <p:txBody>
-          <a:bodyPr/>
+          <a:bodyPr>
+            <a:normAutofit fontScale="92500" lnSpcReduction="10000"/>
+          </a:bodyPr>
           <a:lstStyle/>
           <a:p>
             <a:r>
+              <a:rPr lang="en-CA" dirty="0">
+                <a:latin typeface="+mn-lt"/>
+              </a:rPr>
+              <a:t>Null: Each pea plant has 75% chance of being purple </a:t>
+            </a:r>
+            <a:r>
               <a:rPr lang="en-CA" dirty="0" smtClean="0">
                 <a:latin typeface="+mn-lt"/>
               </a:rPr>
-              <a:t>The p-value </a:t>
-            </a:r>
-            <a:r>
-              <a:rPr lang="en-CA" dirty="0" err="1" smtClean="0">
-                <a:latin typeface="+mn-lt"/>
-              </a:rPr>
-              <a:t>cutoff</a:t>
-            </a:r>
+              <a:t>flowering</a:t>
+            </a:r>
+          </a:p>
+          <a:p>
             <a:r>
               <a:rPr lang="en-CA" dirty="0" smtClean="0">
                 <a:latin typeface="+mn-lt"/>
               </a:rPr>
-              <a:t> is also the probability of a Type I Error</a:t>
-            </a:r>
-          </a:p>
-          <a:p>
+              <a:t>Alternative</a:t>
+            </a:r>
+            <a:r>
+              <a:rPr lang="en-CA" dirty="0">
+                <a:latin typeface="+mn-lt"/>
+              </a:rPr>
+              <a:t>: </a:t>
+            </a:r>
             <a:r>
               <a:rPr lang="en-CA" dirty="0" smtClean="0">
                 <a:latin typeface="+mn-lt"/>
               </a:rPr>
-              <a:t>It is the probability of rejecting the null even when the null is true</a:t>
-            </a:r>
-          </a:p>
-          <a:p>
+              <a:t>Pea plant does not have 75% chance of being purple flowering</a:t>
+            </a:r>
+            <a:endParaRPr lang="en-CA" dirty="0">
+              <a:latin typeface="+mn-lt"/>
+            </a:endParaRPr>
+          </a:p>
+          <a:p>
+            <a:r>
+              <a:rPr lang="en-CA" dirty="0">
+                <a:latin typeface="+mn-lt"/>
+              </a:rPr>
+              <a:t>Statistic: </a:t>
+            </a:r>
             <a:r>
               <a:rPr lang="en-CA" dirty="0" smtClean="0">
                 <a:latin typeface="+mn-lt"/>
               </a:rPr>
-              <a:t>Example: Using a p-value </a:t>
-            </a:r>
-            <a:r>
-              <a:rPr lang="en-CA" dirty="0" err="1" smtClean="0">
-                <a:latin typeface="+mn-lt"/>
-              </a:rPr>
-              <a:t>cutoff</a:t>
-            </a:r>
+              <a:t>| % purple flowering peas in sample – 75 | </a:t>
+            </a:r>
+          </a:p>
+          <a:p>
             <a:r>
               <a:rPr lang="en-CA" dirty="0" smtClean="0">
                 <a:latin typeface="+mn-lt"/>
               </a:rPr>
-              <a:t> of 5%, there is a 5% chance of rejecting the null even when the null is true</a:t>
-            </a:r>
+              <a:t>P-Value</a:t>
+            </a:r>
+            <a:r>
+              <a:rPr lang="en-CA" dirty="0">
+                <a:latin typeface="+mn-lt"/>
+              </a:rPr>
+              <a:t>: Area at or to the </a:t>
+            </a:r>
+            <a:r>
+              <a:rPr lang="en-CA" dirty="0" smtClean="0">
+                <a:latin typeface="+mn-lt"/>
+              </a:rPr>
+              <a:t>right of the observed value (yellow </a:t>
+            </a:r>
+            <a:r>
+              <a:rPr lang="en-CA" dirty="0">
+                <a:latin typeface="+mn-lt"/>
+              </a:rPr>
+              <a:t>line)</a:t>
+            </a:r>
+          </a:p>
+          <a:p>
+            <a:r>
+              <a:rPr lang="en-CA" dirty="0">
+                <a:latin typeface="+mn-lt"/>
+              </a:rPr>
+              <a:t>Result: Test favours </a:t>
+            </a:r>
+            <a:r>
+              <a:rPr lang="en-CA" dirty="0" smtClean="0">
+                <a:latin typeface="+mn-lt"/>
+              </a:rPr>
+              <a:t>null</a:t>
+            </a:r>
+            <a:endParaRPr lang="en-CA" dirty="0">
+              <a:latin typeface="+mn-lt"/>
+            </a:endParaRPr>
+          </a:p>
+          <a:p>
+            <a:endParaRPr lang="en-CA" dirty="0">
+              <a:latin typeface="+mn-lt"/>
+            </a:endParaRPr>
           </a:p>
         </p:txBody>
       </p:sp>
+      <p:pic>
+        <p:nvPicPr>
+          <p:cNvPr id="6146" name="Picture 2"/>
+          <p:cNvPicPr>
+            <a:picLocks noChangeAspect="1" noChangeArrowheads="1"/>
+          </p:cNvPicPr>
+          <p:nvPr/>
+        </p:nvPicPr>
+        <p:blipFill>
+          <a:blip r:embed="rId3">
+            <a:extLst>
+              <a:ext uri="{28A0092B-C50C-407E-A947-70E740481C1C}">
+                <a14:useLocalDpi xmlns:a14="http://schemas.microsoft.com/office/drawing/2010/main" val="0"/>
+              </a:ext>
+            </a:extLst>
+          </a:blip>
+          <a:srcRect/>
+          <a:stretch>
+            <a:fillRect/>
+          </a:stretch>
+        </p:blipFill>
+        <p:spPr bwMode="auto">
+          <a:xfrm>
+            <a:off x="4516438" y="2023269"/>
+            <a:ext cx="4359275" cy="2811463"/>
+          </a:xfrm>
+          <a:prstGeom prst="rect">
+            <a:avLst/>
+          </a:prstGeom>
+          <a:noFill/>
+          <a:ln>
+            <a:noFill/>
+          </a:ln>
+          <a:effectLst/>
+          <a:extLst>
+            <a:ext uri="{909E8E84-426E-40DD-AFC4-6F175D3DCCD1}">
+              <a14:hiddenFill xmlns:a14="http://schemas.microsoft.com/office/drawing/2010/main">
+                <a:solidFill>
+                  <a:schemeClr val="accent1"/>
+                </a:solidFill>
+              </a14:hiddenFill>
+            </a:ext>
+            <a:ext uri="{91240B29-F687-4F45-9708-019B960494DF}">
+              <a14:hiddenLine xmlns:a14="http://schemas.microsoft.com/office/drawing/2010/main" w="9525">
+                <a:solidFill>
+                  <a:schemeClr val="tx1"/>
+                </a:solidFill>
+                <a:miter lim="800000"/>
+                <a:headEnd/>
+                <a:tailEnd/>
+              </a14:hiddenLine>
+            </a:ext>
+            <a:ext uri="{AF507438-7753-43E0-B8FC-AC1667EBCBE1}">
+              <a14:hiddenEffects xmlns:a14="http://schemas.microsoft.com/office/drawing/2010/main">
+                <a:effectLst>
+                  <a:outerShdw dist="35921" dir="2700000" algn="ctr" rotWithShape="0">
+                    <a:schemeClr val="bg2"/>
+                  </a:outerShdw>
+                </a:effectLst>
+              </a14:hiddenEffects>
+            </a:ext>
+          </a:extLst>
+        </p:spPr>
+      </p:pic>
     </p:spTree>
     <p:extLst>
       <p:ext uri="{BB962C8B-B14F-4D97-AF65-F5344CB8AC3E}">
-        <p14:creationId xmlns:p14="http://schemas.microsoft.com/office/powerpoint/2010/main" val="3584523281"/>
+        <p14:creationId xmlns:p14="http://schemas.microsoft.com/office/powerpoint/2010/main" val="3656309352"/>
       </p:ext>
     </p:extLst>
   </p:cSld>
@@ -9174,7 +9169,7 @@
               <a:rPr lang="en-CA" dirty="0" smtClean="0">
                 <a:latin typeface="+mn-lt"/>
               </a:rPr>
-              <a:t>Announcements</a:t>
+              <a:t>Error Probabilities</a:t>
             </a:r>
             <a:endParaRPr lang="en-CA" dirty="0">
               <a:latin typeface="+mn-lt"/>
@@ -9202,16 +9197,59 @@
           <a:bodyPr/>
           <a:lstStyle/>
           <a:p>
-            <a:endParaRPr lang="en-CA" dirty="0">
-              <a:latin typeface="+mn-lt"/>
-            </a:endParaRPr>
+            <a:r>
+              <a:rPr lang="en-CA" dirty="0" smtClean="0">
+                <a:latin typeface="+mn-lt"/>
+              </a:rPr>
+              <a:t>The p-value </a:t>
+            </a:r>
+            <a:r>
+              <a:rPr lang="en-CA" dirty="0" err="1" smtClean="0">
+                <a:latin typeface="+mn-lt"/>
+              </a:rPr>
+              <a:t>cutoff</a:t>
+            </a:r>
+            <a:r>
+              <a:rPr lang="en-CA" dirty="0" smtClean="0">
+                <a:latin typeface="+mn-lt"/>
+              </a:rPr>
+              <a:t> is also the probability of a Type I Error</a:t>
+            </a:r>
+          </a:p>
+          <a:p>
+            <a:r>
+              <a:rPr lang="en-CA" dirty="0" smtClean="0">
+                <a:latin typeface="+mn-lt"/>
+              </a:rPr>
+              <a:t>It is the probability of rejecting the null even when the null is true</a:t>
+            </a:r>
+          </a:p>
+          <a:p>
+            <a:r>
+              <a:rPr lang="en-CA" dirty="0" smtClean="0">
+                <a:latin typeface="+mn-lt"/>
+              </a:rPr>
+              <a:t>Example: Using a p-value </a:t>
+            </a:r>
+            <a:r>
+              <a:rPr lang="en-CA" dirty="0" err="1" smtClean="0">
+                <a:latin typeface="+mn-lt"/>
+              </a:rPr>
+              <a:t>cutoff</a:t>
+            </a:r>
+            <a:r>
+              <a:rPr lang="en-CA" dirty="0" smtClean="0">
+                <a:latin typeface="+mn-lt"/>
+              </a:rPr>
+              <a:t> of 5%, there is a 5% chance of rejecting the null even when the null is true</a:t>
+            </a:r>
           </a:p>
         </p:txBody>
       </p:sp>
     </p:spTree>
     <p:extLst>
       <p:ext uri="{BB962C8B-B14F-4D97-AF65-F5344CB8AC3E}">
-        <p14:creationId xmlns:p14="http://schemas.microsoft.com/office/powerpoint/2010/main" val="203414778"/>
+        <p14:creationId xmlns:p14="http://schemas.microsoft.com/office/powerpoint/2010/main" val="3584523281"/>
       </p:ext>
     </p:extLst>
   </p:cSld>
@@ -9269,7 +9307,7 @@
               <a:rPr lang="en-CA" dirty="0" smtClean="0">
                 <a:latin typeface="+mn-lt"/>
               </a:rPr>
-              <a:t>Lab Notebook</a:t>
+              <a:t>Announcements</a:t>
             </a:r>
             <a:endParaRPr lang="en-CA" dirty="0">
               <a:latin typeface="+mn-lt"/>
@@ -9297,22 +9335,39 @@
           <a:bodyPr/>
           <a:lstStyle/>
           <a:p>
-            <a:pPr marL="0" indent="0">
-              <a:buNone/>
-            </a:pPr>
-            <a:r>
-              <a:rPr lang="en-CA" smtClean="0">
-                <a:latin typeface="Avenir LT Std 45 Book" pitchFamily="34" charset="0"/>
-              </a:rPr>
-              <a:t>TBD</a:t>
-            </a:r>
+            <a:r>
+              <a:rPr lang="en-CA" dirty="0" smtClean="0">
+                <a:latin typeface="+mn-lt"/>
+              </a:rPr>
+              <a:t>Next week is midterm review! Please go to a lab on Wednesday or Thursday to work on the problems</a:t>
+            </a:r>
+          </a:p>
+          <a:p>
+            <a:pPr lvl="1"/>
+            <a:r>
+              <a:rPr lang="en-CA" dirty="0" smtClean="0">
+                <a:latin typeface="+mn-lt"/>
+              </a:rPr>
+              <a:t>Lab next Friday will just be Office Hours</a:t>
+            </a:r>
+          </a:p>
+          <a:p>
+            <a:r>
+              <a:rPr lang="en-CA" dirty="0" smtClean="0">
+                <a:latin typeface="+mn-lt"/>
+              </a:rPr>
+              <a:t>Refer to your email for list of Resources! </a:t>
+            </a:r>
+            <a:endParaRPr lang="en-CA" dirty="0">
+              <a:latin typeface="+mn-lt"/>
+            </a:endParaRPr>
           </a:p>
         </p:txBody>
       </p:sp>
     </p:spTree>
     <p:extLst>
       <p:ext uri="{BB962C8B-B14F-4D97-AF65-F5344CB8AC3E}">
-        <p14:creationId xmlns:p14="http://schemas.microsoft.com/office/powerpoint/2010/main" val="687167673"/>
+        <p14:creationId xmlns:p14="http://schemas.microsoft.com/office/powerpoint/2010/main" val="203414778"/>
       </p:ext>
     </p:extLst>
   </p:cSld>
@@ -9724,7 +9779,7 @@
         </p:spPr>
         <p:txBody>
           <a:bodyPr>
-            <a:normAutofit lnSpcReduction="10000"/>
+            <a:normAutofit fontScale="92500"/>
           </a:bodyPr>
           <a:lstStyle/>
           <a:p>
@@ -9758,8 +9813,29 @@
               <a:rPr lang="en-CA" b="1" dirty="0" smtClean="0">
                 <a:latin typeface="+mn-lt"/>
               </a:rPr>
-              <a:t>null hypothesis</a:t>
-            </a:r>
+              <a:t>null </a:t>
+            </a:r>
+            <a:r>
+              <a:rPr lang="en-CA" b="1" dirty="0" smtClean="0">
+                <a:latin typeface="+mn-lt"/>
+              </a:rPr>
+              <a:t>hypothesis </a:t>
+            </a:r>
+            <a:endParaRPr lang="en-CA" dirty="0">
+              <a:latin typeface="+mn-lt"/>
+            </a:endParaRPr>
+          </a:p>
+          <a:p>
+            <a:pPr lvl="1"/>
+            <a:r>
+              <a:rPr lang="en-CA" dirty="0" smtClean="0">
+                <a:latin typeface="+mn-lt"/>
+              </a:rPr>
+              <a:t>Should be clearly defined from the problem!</a:t>
+            </a:r>
+            <a:endParaRPr lang="en-CA" b="1" dirty="0" smtClean="0">
+              <a:latin typeface="+mn-lt"/>
+            </a:endParaRPr>
           </a:p>
           <a:p>
             <a:r>
@@ -9885,8 +9961,26 @@
               <a:rPr lang="en-CA" dirty="0" smtClean="0">
                 <a:latin typeface="+mn-lt"/>
               </a:rPr>
-              <a:t>An alternative model for the data</a:t>
-            </a:r>
+              <a:t>An alternative model for the </a:t>
+            </a:r>
+            <a:r>
+              <a:rPr lang="en-CA" dirty="0" smtClean="0">
+                <a:latin typeface="+mn-lt"/>
+              </a:rPr>
+              <a:t>data</a:t>
+            </a:r>
+          </a:p>
+          <a:p>
+            <a:pPr lvl="1"/>
+            <a:r>
+              <a:rPr lang="en-CA" dirty="0" smtClean="0">
+                <a:latin typeface="+mn-lt"/>
+              </a:rPr>
+              <a:t>Based on what you observed: was it something weird or unexpected if the null hypothesis was true?</a:t>
+            </a:r>
+            <a:endParaRPr lang="en-CA" dirty="0" smtClean="0">
+              <a:latin typeface="+mn-lt"/>
+            </a:endParaRPr>
           </a:p>
           <a:p>
             <a:r>
@@ -10515,10 +10609,16 @@
           <a:p>
             <a:pPr lvl="1"/>
             <a:r>
+              <a:rPr lang="en-CA" b="1" dirty="0" smtClean="0">
+                <a:latin typeface="+mn-lt"/>
+              </a:rPr>
+              <a:t>Theoretical probabilities</a:t>
+            </a:r>
+            <a:r>
               <a:rPr lang="en-CA" dirty="0" smtClean="0">
                 <a:latin typeface="+mn-lt"/>
               </a:rPr>
-              <a:t>Theoretical probabilities of each category</a:t>
+              <a:t> of each category</a:t>
             </a:r>
           </a:p>
           <a:p>
@@ -10526,7 +10626,19 @@
               <a:rPr lang="en-CA" dirty="0" smtClean="0">
                 <a:latin typeface="+mn-lt"/>
               </a:rPr>
-              <a:t>Returns array consisting of the empirical probabilities of each category</a:t>
+              <a:t>Returns array consisting of the </a:t>
+            </a:r>
+            <a:r>
+              <a:rPr lang="en-CA" b="1" dirty="0" smtClean="0">
+                <a:latin typeface="+mn-lt"/>
+              </a:rPr>
+              <a:t>empirical probabilities </a:t>
+            </a:r>
+            <a:r>
+              <a:rPr lang="en-CA" dirty="0" smtClean="0">
+                <a:latin typeface="+mn-lt"/>
+              </a:rPr>
+              <a:t>of each category</a:t>
             </a:r>
           </a:p>
           <a:p>
@@ -10535,8 +10647,31 @@
               <a:rPr lang="en-CA" dirty="0" smtClean="0">
                 <a:latin typeface="+mn-lt"/>
               </a:rPr>
-              <a:t>Simulates drawing a sample of specified size with replacement</a:t>
-            </a:r>
+              <a:t>Simulates drawing a sample of specified size with </a:t>
+            </a:r>
+            <a:r>
+              <a:rPr lang="en-CA" dirty="0" smtClean="0">
+                <a:latin typeface="+mn-lt"/>
+              </a:rPr>
+              <a:t>replacement</a:t>
+            </a:r>
+          </a:p>
+          <a:p>
+            <a:r>
+              <a:rPr lang="en-CA" b="1" dirty="0" smtClean="0">
+                <a:latin typeface="+mn-lt"/>
+              </a:rPr>
+              <a:t>Common Mistake:</a:t>
+            </a:r>
+            <a:r>
+              <a:rPr lang="en-CA" dirty="0" smtClean="0">
+                <a:latin typeface="+mn-lt"/>
+              </a:rPr>
+              <a:t> Don’t forget the theoretical probabilities have to sum to 1, and the empirical probabilities also have to sum to 1</a:t>
+            </a:r>
+            <a:endParaRPr lang="en-CA" dirty="0" smtClean="0">
+              <a:latin typeface="+mn-lt"/>
+            </a:endParaRPr>
           </a:p>
         </p:txBody>
       </p:sp>
